--- a/DIT5411_220134800_Project_Presentation.pptx
+++ b/DIT5411_220134800_Project_Presentation.pptx
@@ -12,13 +12,14 @@
     <p:sldId id="260" r:id="rId6"/>
     <p:sldId id="261" r:id="rId7"/>
     <p:sldId id="262" r:id="rId8"/>
-    <p:sldId id="263" r:id="rId9"/>
-    <p:sldId id="264" r:id="rId10"/>
-    <p:sldId id="265" r:id="rId11"/>
-    <p:sldId id="266" r:id="rId12"/>
-    <p:sldId id="267" r:id="rId13"/>
-    <p:sldId id="268" r:id="rId14"/>
-    <p:sldId id="269" r:id="rId15"/>
+    <p:sldId id="270" r:id="rId9"/>
+    <p:sldId id="263" r:id="rId10"/>
+    <p:sldId id="264" r:id="rId11"/>
+    <p:sldId id="265" r:id="rId12"/>
+    <p:sldId id="266" r:id="rId13"/>
+    <p:sldId id="267" r:id="rId14"/>
+    <p:sldId id="268" r:id="rId15"/>
+    <p:sldId id="269" r:id="rId16"/>
   </p:sldIdLst>
   <p:sldSz cx="9144000" cy="6858000" type="screen4x3"/>
   <p:notesSz cx="6858000" cy="9144000"/>
@@ -315,7 +316,7 @@
           <a:p>
             <a:fld id="{5BCAD085-E8A6-8845-BD4E-CB4CCA059FC4}" type="datetimeFigureOut">
               <a:rPr lang="en-US" smtClean="0"/>
-              <a:t>12/3/2025</a:t>
+              <a:t>12/6/2025</a:t>
             </a:fld>
             <a:endParaRPr lang="en-US"/>
           </a:p>
@@ -483,7 +484,7 @@
           <a:p>
             <a:fld id="{5BCAD085-E8A6-8845-BD4E-CB4CCA059FC4}" type="datetimeFigureOut">
               <a:rPr lang="en-US" smtClean="0"/>
-              <a:t>12/3/2025</a:t>
+              <a:t>12/6/2025</a:t>
             </a:fld>
             <a:endParaRPr lang="en-US"/>
           </a:p>
@@ -661,7 +662,7 @@
           <a:p>
             <a:fld id="{5BCAD085-E8A6-8845-BD4E-CB4CCA059FC4}" type="datetimeFigureOut">
               <a:rPr lang="en-US" smtClean="0"/>
-              <a:t>12/3/2025</a:t>
+              <a:t>12/6/2025</a:t>
             </a:fld>
             <a:endParaRPr lang="en-US"/>
           </a:p>
@@ -829,7 +830,7 @@
           <a:p>
             <a:fld id="{5BCAD085-E8A6-8845-BD4E-CB4CCA059FC4}" type="datetimeFigureOut">
               <a:rPr lang="en-US" smtClean="0"/>
-              <a:t>12/3/2025</a:t>
+              <a:t>12/6/2025</a:t>
             </a:fld>
             <a:endParaRPr lang="en-US"/>
           </a:p>
@@ -1074,7 +1075,7 @@
           <a:p>
             <a:fld id="{5BCAD085-E8A6-8845-BD4E-CB4CCA059FC4}" type="datetimeFigureOut">
               <a:rPr lang="en-US" smtClean="0"/>
-              <a:t>12/3/2025</a:t>
+              <a:t>12/6/2025</a:t>
             </a:fld>
             <a:endParaRPr lang="en-US"/>
           </a:p>
@@ -1359,7 +1360,7 @@
           <a:p>
             <a:fld id="{5BCAD085-E8A6-8845-BD4E-CB4CCA059FC4}" type="datetimeFigureOut">
               <a:rPr lang="en-US" smtClean="0"/>
-              <a:t>12/3/2025</a:t>
+              <a:t>12/6/2025</a:t>
             </a:fld>
             <a:endParaRPr lang="en-US"/>
           </a:p>
@@ -1778,7 +1779,7 @@
           <a:p>
             <a:fld id="{5BCAD085-E8A6-8845-BD4E-CB4CCA059FC4}" type="datetimeFigureOut">
               <a:rPr lang="en-US" smtClean="0"/>
-              <a:t>12/3/2025</a:t>
+              <a:t>12/6/2025</a:t>
             </a:fld>
             <a:endParaRPr lang="en-US"/>
           </a:p>
@@ -1895,7 +1896,7 @@
           <a:p>
             <a:fld id="{5BCAD085-E8A6-8845-BD4E-CB4CCA059FC4}" type="datetimeFigureOut">
               <a:rPr lang="en-US" smtClean="0"/>
-              <a:t>12/3/2025</a:t>
+              <a:t>12/6/2025</a:t>
             </a:fld>
             <a:endParaRPr lang="en-US"/>
           </a:p>
@@ -1990,7 +1991,7 @@
           <a:p>
             <a:fld id="{5BCAD085-E8A6-8845-BD4E-CB4CCA059FC4}" type="datetimeFigureOut">
               <a:rPr lang="en-US" smtClean="0"/>
-              <a:t>12/3/2025</a:t>
+              <a:t>12/6/2025</a:t>
             </a:fld>
             <a:endParaRPr lang="en-US"/>
           </a:p>
@@ -2265,7 +2266,7 @@
           <a:p>
             <a:fld id="{5BCAD085-E8A6-8845-BD4E-CB4CCA059FC4}" type="datetimeFigureOut">
               <a:rPr lang="en-US" smtClean="0"/>
-              <a:t>12/3/2025</a:t>
+              <a:t>12/6/2025</a:t>
             </a:fld>
             <a:endParaRPr lang="en-US"/>
           </a:p>
@@ -2517,7 +2518,7 @@
           <a:p>
             <a:fld id="{5BCAD085-E8A6-8845-BD4E-CB4CCA059FC4}" type="datetimeFigureOut">
               <a:rPr lang="en-US" smtClean="0"/>
-              <a:t>12/3/2025</a:t>
+              <a:t>12/6/2025</a:t>
             </a:fld>
             <a:endParaRPr lang="en-US"/>
           </a:p>
@@ -2728,7 +2729,7 @@
           <a:p>
             <a:fld id="{5BCAD085-E8A6-8845-BD4E-CB4CCA059FC4}" type="datetimeFigureOut">
               <a:rPr lang="en-US" smtClean="0"/>
-              <a:t>12/3/2025</a:t>
+              <a:t>12/6/2025</a:t>
             </a:fld>
             <a:endParaRPr lang="en-US"/>
           </a:p>
@@ -3481,12 +3482,12 @@
           <a:chExt cx="0" cy="0"/>
         </a:xfrm>
       </p:grpSpPr>
-      <p:sp>
-        <p:nvSpPr>
-          <p:cNvPr id="8" name="Rectangle 7">
+      <p:sp useBgFill="1">
+        <p:nvSpPr>
+          <p:cNvPr id="32" name="Rectangle 31">
             <a:extLst>
               <a:ext uri="{FF2B5EF4-FFF2-40B4-BE49-F238E27FC236}">
-                <a16:creationId xmlns:a16="http://schemas.microsoft.com/office/drawing/2014/main" id="{A4AC5506-6312-4701-8D3C-40187889A947}"/>
+                <a16:creationId xmlns:a16="http://schemas.microsoft.com/office/drawing/2014/main" id="{B9D7E975-9161-4F2D-AC53-69E1912F6B5D}"/>
               </a:ext>
               <a:ext uri="{C183D7F6-B498-43B3-948B-1728B52AA6E4}">
                 <adec:decorative xmlns:adec="http://schemas.microsoft.com/office/drawing/2017/decorative" val="1"/>
@@ -3506,14 +3507,74 @@
         </p:nvSpPr>
         <p:spPr>
           <a:xfrm>
-            <a:off x="0" y="651752"/>
-            <a:ext cx="9144000" cy="736551"/>
+            <a:off x="0" y="0"/>
+            <a:ext cx="9144000" cy="6858000"/>
           </a:xfrm>
           <a:prstGeom prst="rect">
             <a:avLst/>
           </a:prstGeom>
+          <a:ln>
+            <a:noFill/>
+          </a:ln>
+        </p:spPr>
+        <p:style>
+          <a:lnRef idx="2">
+            <a:schemeClr val="accent1">
+              <a:shade val="50000"/>
+            </a:schemeClr>
+          </a:lnRef>
+          <a:fillRef idx="1">
+            <a:schemeClr val="accent1"/>
+          </a:fillRef>
+          <a:effectRef idx="0">
+            <a:schemeClr val="accent1"/>
+          </a:effectRef>
+          <a:fontRef idx="minor">
+            <a:schemeClr val="lt1"/>
+          </a:fontRef>
+        </p:style>
+        <p:txBody>
+          <a:bodyPr rtlCol="0" anchor="ctr"/>
+          <a:lstStyle/>
+          <a:p>
+            <a:pPr algn="ctr"/>
+            <a:endParaRPr lang="en-US"/>
+          </a:p>
+        </p:txBody>
+      </p:sp>
+      <p:sp>
+        <p:nvSpPr>
+          <p:cNvPr id="34" name="Right Triangle 33">
+            <a:extLst>
+              <a:ext uri="{FF2B5EF4-FFF2-40B4-BE49-F238E27FC236}">
+                <a16:creationId xmlns:a16="http://schemas.microsoft.com/office/drawing/2014/main" id="{827DC2C4-B485-428A-BF4A-472D2967F47F}"/>
+              </a:ext>
+              <a:ext uri="{C183D7F6-B498-43B3-948B-1728B52AA6E4}">
+                <adec:decorative xmlns:adec="http://schemas.microsoft.com/office/drawing/2017/decorative" val="1"/>
+              </a:ext>
+            </a:extLst>
+          </p:cNvPr>
+          <p:cNvSpPr>
+            <a:spLocks noGrp="1" noRot="1" noChangeAspect="1" noMove="1" noResize="1" noEditPoints="1" noAdjustHandles="1" noChangeArrowheads="1" noChangeShapeType="1" noTextEdit="1"/>
+          </p:cNvSpPr>
+          <p:nvPr>
+            <p:extLst>
+              <p:ext uri="{386F3935-93C4-4BCD-93E2-E3B085C9AB24}">
+                <p16:designElem xmlns:p16="http://schemas.microsoft.com/office/powerpoint/2015/main" val="1"/>
+              </p:ext>
+            </p:extLst>
+          </p:nvPr>
+        </p:nvSpPr>
+        <p:spPr>
+          <a:xfrm flipH="1">
+            <a:off x="6432540" y="3335867"/>
+            <a:ext cx="2468880" cy="3200400"/>
+          </a:xfrm>
+          <a:prstGeom prst="rtTriangle">
+            <a:avLst/>
+          </a:prstGeom>
           <a:solidFill>
-            <a:schemeClr val="tx1"/>
+            <a:schemeClr val="accent4"/>
           </a:solidFill>
           <a:ln>
             <a:noFill/>
@@ -3540,67 +3601,792 @@
           <a:lstStyle/>
           <a:p>
             <a:pPr algn="ctr"/>
-            <a:endParaRPr lang="en-US"/>
-          </a:p>
-        </p:txBody>
-      </p:sp>
-      <p:sp>
-        <p:nvSpPr>
-          <p:cNvPr id="2" name="Title 1"/>
-          <p:cNvSpPr>
-            <a:spLocks noGrp="1"/>
-          </p:cNvSpPr>
-          <p:nvPr>
-            <p:ph type="title"/>
+            <a:endParaRPr lang="en-US" dirty="0"/>
+          </a:p>
+        </p:txBody>
+      </p:sp>
+      <p:sp>
+        <p:nvSpPr>
+          <p:cNvPr id="43" name="Rectangle 35">
+            <a:extLst>
+              <a:ext uri="{FF2B5EF4-FFF2-40B4-BE49-F238E27FC236}">
+                <a16:creationId xmlns:a16="http://schemas.microsoft.com/office/drawing/2014/main" id="{463E6235-1649-4B47-9862-4026FC473B6F}"/>
+              </a:ext>
+              <a:ext uri="{C183D7F6-B498-43B3-948B-1728B52AA6E4}">
+                <adec:decorative xmlns:adec="http://schemas.microsoft.com/office/drawing/2017/decorative" val="1"/>
+              </a:ext>
+            </a:extLst>
+          </p:cNvPr>
+          <p:cNvSpPr>
+            <a:spLocks noGrp="1" noRot="1" noChangeAspect="1" noMove="1" noResize="1" noEditPoints="1" noAdjustHandles="1" noChangeArrowheads="1" noChangeShapeType="1" noTextEdit="1"/>
+          </p:cNvSpPr>
+          <p:nvPr>
+            <p:extLst>
+              <p:ext uri="{386F3935-93C4-4BCD-93E2-E3B085C9AB24}">
+                <p16:designElem xmlns:p16="http://schemas.microsoft.com/office/powerpoint/2015/main" val="1"/>
+              </p:ext>
+            </p:extLst>
           </p:nvPr>
         </p:nvSpPr>
         <p:spPr>
           <a:xfrm>
-            <a:off x="417399" y="643467"/>
-            <a:ext cx="8408193" cy="744836"/>
+            <a:off x="3723741" y="623275"/>
+            <a:ext cx="4936378" cy="5607882"/>
+          </a:xfrm>
+          <a:prstGeom prst="rect">
+            <a:avLst/>
+          </a:prstGeom>
+          <a:noFill/>
+          <a:ln w="19050">
+            <a:solidFill>
+              <a:schemeClr val="tx1">
+                <a:lumMod val="75000"/>
+                <a:lumOff val="25000"/>
+              </a:schemeClr>
+            </a:solidFill>
+          </a:ln>
+        </p:spPr>
+        <p:style>
+          <a:lnRef idx="2">
+            <a:schemeClr val="accent1">
+              <a:shade val="50000"/>
+            </a:schemeClr>
+          </a:lnRef>
+          <a:fillRef idx="1">
+            <a:schemeClr val="accent1"/>
+          </a:fillRef>
+          <a:effectRef idx="0">
+            <a:schemeClr val="accent1"/>
+          </a:effectRef>
+          <a:fontRef idx="minor">
+            <a:schemeClr val="lt1"/>
+          </a:fontRef>
+        </p:style>
+        <p:txBody>
+          <a:bodyPr rtlCol="0" anchor="ctr"/>
+          <a:lstStyle/>
+          <a:p>
+            <a:pPr algn="ctr"/>
+            <a:endParaRPr lang="en-US"/>
+          </a:p>
+        </p:txBody>
+      </p:sp>
+      <p:sp>
+        <p:nvSpPr>
+          <p:cNvPr id="2" name="Title 1"/>
+          <p:cNvSpPr>
+            <a:spLocks noGrp="1"/>
+          </p:cNvSpPr>
+          <p:nvPr>
+            <p:ph type="title"/>
+          </p:nvPr>
+        </p:nvSpPr>
+        <p:spPr>
+          <a:xfrm>
+            <a:off x="4087656" y="1056640"/>
+            <a:ext cx="4349961" cy="3494398"/>
           </a:xfrm>
         </p:spPr>
         <p:txBody>
-          <a:bodyPr>
+          <a:bodyPr vert="horz" lIns="91440" tIns="45720" rIns="91440" bIns="45720" rtlCol="0" anchor="b">
             <a:normAutofit/>
           </a:bodyPr>
           <a:lstStyle/>
           <a:p>
-            <a:r>
-              <a:rPr lang="en-US" sz="2800">
+            <a:pPr algn="l" defTabSz="914400">
+              <a:lnSpc>
+                <a:spcPct val="90000"/>
+              </a:lnSpc>
+            </a:pPr>
+            <a:r>
+              <a:rPr lang="en-US" sz="7000" kern="1200">
                 <a:solidFill>
-                  <a:schemeClr val="bg1"/>
+                  <a:schemeClr val="tx1"/>
                 </a:solidFill>
+                <a:latin typeface="+mj-lt"/>
+                <a:ea typeface="+mj-ea"/>
+                <a:cs typeface="+mj-cs"/>
               </a:rPr>
-              <a:t>Actual vs Predicted Temperature</a:t>
-            </a:r>
-          </a:p>
-        </p:txBody>
-      </p:sp>
-      <p:pic>
-        <p:nvPicPr>
-          <p:cNvPr id="3" name="Picture 2" descr="actual_vs_predicted.png"/>
-          <p:cNvPicPr>
-            <a:picLocks noChangeAspect="1"/>
-          </p:cNvPicPr>
+              <a:t>Results Summary</a:t>
+            </a:r>
+          </a:p>
+        </p:txBody>
+      </p:sp>
+      <p:sp>
+        <p:nvSpPr>
+          <p:cNvPr id="8" name="文字方塊 7">
+            <a:extLst>
+              <a:ext uri="{FF2B5EF4-FFF2-40B4-BE49-F238E27FC236}">
+                <a16:creationId xmlns:a16="http://schemas.microsoft.com/office/drawing/2014/main" id="{4B27BD89-9F46-D05B-4F4C-A8DC0702C3F5}"/>
+              </a:ext>
+            </a:extLst>
+          </p:cNvPr>
+          <p:cNvSpPr txBox="1"/>
           <p:nvPr/>
-        </p:nvPicPr>
-        <p:blipFill>
-          <a:blip r:embed="rId2"/>
-          <a:stretch>
-            <a:fillRect/>
-          </a:stretch>
-        </p:blipFill>
+        </p:nvSpPr>
         <p:spPr>
           <a:xfrm>
-            <a:off x="482600" y="2410366"/>
-            <a:ext cx="8178799" cy="2923921"/>
+            <a:off x="4087657" y="4582814"/>
+            <a:ext cx="3031091" cy="1312657"/>
           </a:xfrm>
           <a:prstGeom prst="rect">
             <a:avLst/>
           </a:prstGeom>
         </p:spPr>
-      </p:pic>
+        <p:txBody>
+          <a:bodyPr vert="horz" lIns="91440" tIns="45720" rIns="91440" bIns="45720" rtlCol="0" anchor="t">
+            <a:normAutofit/>
+          </a:bodyPr>
+          <a:lstStyle/>
+          <a:p>
+            <a:pPr defTabSz="914400">
+              <a:lnSpc>
+                <a:spcPct val="90000"/>
+              </a:lnSpc>
+              <a:spcBef>
+                <a:spcPts val="1000"/>
+              </a:spcBef>
+            </a:pPr>
+            <a:r>
+              <a:rPr lang="en-US" altLang="zh-HK" sz="2200" b="1" kern="1200">
+                <a:solidFill>
+                  <a:schemeClr val="tx1"/>
+                </a:solidFill>
+                <a:latin typeface="+mn-lt"/>
+                <a:ea typeface="+mn-ea"/>
+                <a:cs typeface="+mn-cs"/>
+              </a:rPr>
+              <a:t>LSTM achieved the best performance</a:t>
+            </a:r>
+            <a:r>
+              <a:rPr lang="en-US" altLang="zh-HK" sz="2200" kern="1200">
+                <a:solidFill>
+                  <a:schemeClr val="tx1"/>
+                </a:solidFill>
+                <a:latin typeface="+mn-lt"/>
+                <a:ea typeface="+mn-ea"/>
+                <a:cs typeface="+mn-cs"/>
+              </a:rPr>
+              <a:t>, followed by BiLSTM, while RNN performed worst.</a:t>
+            </a:r>
+          </a:p>
+        </p:txBody>
+      </p:sp>
+      <p:graphicFrame>
+        <p:nvGraphicFramePr>
+          <p:cNvPr id="22" name="表格 3">
+            <a:extLst>
+              <a:ext uri="{FF2B5EF4-FFF2-40B4-BE49-F238E27FC236}">
+                <a16:creationId xmlns:a16="http://schemas.microsoft.com/office/drawing/2014/main" id="{E536E6F8-24F2-3FE4-98EA-48AD565AF9E1}"/>
+              </a:ext>
+            </a:extLst>
+          </p:cNvPr>
+          <p:cNvGraphicFramePr>
+            <a:graphicFrameLocks noGrp="1"/>
+          </p:cNvGraphicFramePr>
+          <p:nvPr>
+            <p:ph idx="1"/>
+            <p:extLst>
+              <p:ext uri="{D42A27DB-BD31-4B8C-83A1-F6EECF244321}">
+                <p14:modId xmlns:p14="http://schemas.microsoft.com/office/powerpoint/2010/main" val="2469521690"/>
+              </p:ext>
+            </p:extLst>
+          </p:nvPr>
+        </p:nvGraphicFramePr>
+        <p:xfrm>
+          <a:off x="466256" y="2577980"/>
+          <a:ext cx="3024468" cy="1698472"/>
+        </p:xfrm>
+        <a:graphic>
+          <a:graphicData uri="http://schemas.openxmlformats.org/drawingml/2006/table">
+            <a:tbl>
+              <a:tblPr firstRow="1" bandRow="1">
+                <a:solidFill>
+                  <a:srgbClr val="F2F2F2">
+                    <a:alpha val="45098"/>
+                  </a:srgbClr>
+                </a:solidFill>
+              </a:tblPr>
+              <a:tblGrid>
+                <a:gridCol w="1042781">
+                  <a:extLst>
+                    <a:ext uri="{9D8B030D-6E8A-4147-A177-3AD203B41FA5}">
+                      <a16:colId xmlns:a16="http://schemas.microsoft.com/office/drawing/2014/main" val="325202931"/>
+                    </a:ext>
+                  </a:extLst>
+                </a:gridCol>
+                <a:gridCol w="960686">
+                  <a:extLst>
+                    <a:ext uri="{9D8B030D-6E8A-4147-A177-3AD203B41FA5}">
+                      <a16:colId xmlns:a16="http://schemas.microsoft.com/office/drawing/2014/main" val="2595807143"/>
+                    </a:ext>
+                  </a:extLst>
+                </a:gridCol>
+                <a:gridCol w="1021001">
+                  <a:extLst>
+                    <a:ext uri="{9D8B030D-6E8A-4147-A177-3AD203B41FA5}">
+                      <a16:colId xmlns:a16="http://schemas.microsoft.com/office/drawing/2014/main" val="2858977894"/>
+                    </a:ext>
+                  </a:extLst>
+                </a:gridCol>
+              </a:tblGrid>
+              <a:tr h="448744">
+                <a:tc>
+                  <a:txBody>
+                    <a:bodyPr/>
+                    <a:lstStyle/>
+                    <a:p>
+                      <a:pPr>
+                        <a:buNone/>
+                      </a:pPr>
+                      <a:r>
+                        <a:rPr lang="en-US" sz="1500" b="0" cap="none" spc="0">
+                          <a:solidFill>
+                            <a:schemeClr val="bg1"/>
+                          </a:solidFill>
+                        </a:rPr>
+                        <a:t>Model</a:t>
+                      </a:r>
+                    </a:p>
+                  </a:txBody>
+                  <a:tcPr marL="176924" marR="176924" marT="96504" marB="88462" anchor="ctr">
+                    <a:lnL w="12700" cmpd="sng">
+                      <a:noFill/>
+                    </a:lnL>
+                    <a:lnR w="12700" cmpd="sng">
+                      <a:noFill/>
+                    </a:lnR>
+                    <a:lnT w="19050" cap="flat" cmpd="sng" algn="ctr">
+                      <a:noFill/>
+                      <a:prstDash val="solid"/>
+                    </a:lnT>
+                    <a:lnB w="38100" cmpd="sng">
+                      <a:noFill/>
+                    </a:lnB>
+                    <a:solidFill>
+                      <a:schemeClr val="tx1"/>
+                    </a:solidFill>
+                  </a:tcPr>
+                </a:tc>
+                <a:tc>
+                  <a:txBody>
+                    <a:bodyPr/>
+                    <a:lstStyle/>
+                    <a:p>
+                      <a:pPr>
+                        <a:buNone/>
+                      </a:pPr>
+                      <a:r>
+                        <a:rPr lang="en-US" sz="1500" b="0" cap="none" spc="0">
+                          <a:solidFill>
+                            <a:schemeClr val="bg1"/>
+                          </a:solidFill>
+                        </a:rPr>
+                        <a:t>MAE</a:t>
+                      </a:r>
+                    </a:p>
+                  </a:txBody>
+                  <a:tcPr marL="176924" marR="176924" marT="96504" marB="88462" anchor="ctr">
+                    <a:lnL w="12700" cmpd="sng">
+                      <a:noFill/>
+                    </a:lnL>
+                    <a:lnR w="12700" cmpd="sng">
+                      <a:noFill/>
+                    </a:lnR>
+                    <a:lnT w="19050" cap="flat" cmpd="sng" algn="ctr">
+                      <a:noFill/>
+                      <a:prstDash val="solid"/>
+                    </a:lnT>
+                    <a:lnB w="38100" cmpd="sng">
+                      <a:noFill/>
+                    </a:lnB>
+                    <a:solidFill>
+                      <a:schemeClr val="tx1"/>
+                    </a:solidFill>
+                  </a:tcPr>
+                </a:tc>
+                <a:tc>
+                  <a:txBody>
+                    <a:bodyPr/>
+                    <a:lstStyle/>
+                    <a:p>
+                      <a:pPr>
+                        <a:buNone/>
+                      </a:pPr>
+                      <a:r>
+                        <a:rPr lang="en-US" sz="1500" b="0" cap="none" spc="0">
+                          <a:solidFill>
+                            <a:schemeClr val="bg1"/>
+                          </a:solidFill>
+                        </a:rPr>
+                        <a:t>RMSE</a:t>
+                      </a:r>
+                    </a:p>
+                  </a:txBody>
+                  <a:tcPr marL="176924" marR="176924" marT="96504" marB="88462" anchor="ctr">
+                    <a:lnL w="12700" cmpd="sng">
+                      <a:noFill/>
+                    </a:lnL>
+                    <a:lnR w="12700" cmpd="sng">
+                      <a:noFill/>
+                    </a:lnR>
+                    <a:lnT w="19050" cap="flat" cmpd="sng" algn="ctr">
+                      <a:noFill/>
+                      <a:prstDash val="solid"/>
+                    </a:lnT>
+                    <a:lnB w="38100" cmpd="sng">
+                      <a:noFill/>
+                    </a:lnB>
+                    <a:solidFill>
+                      <a:schemeClr val="tx1"/>
+                    </a:solidFill>
+                  </a:tcPr>
+                </a:tc>
+                <a:extLst>
+                  <a:ext uri="{0D108BD9-81ED-4DB2-BD59-A6C34878D82A}">
+                    <a16:rowId xmlns:a16="http://schemas.microsoft.com/office/drawing/2014/main" val="1212266821"/>
+                  </a:ext>
+                </a:extLst>
+              </a:tr>
+              <a:tr h="416576">
+                <a:tc>
+                  <a:txBody>
+                    <a:bodyPr/>
+                    <a:lstStyle/>
+                    <a:p>
+                      <a:pPr>
+                        <a:buNone/>
+                      </a:pPr>
+                      <a:r>
+                        <a:rPr lang="en-US" sz="1300" cap="none" spc="0">
+                          <a:solidFill>
+                            <a:schemeClr val="tx1"/>
+                          </a:solidFill>
+                        </a:rPr>
+                        <a:t>RNN</a:t>
+                      </a:r>
+                    </a:p>
+                  </a:txBody>
+                  <a:tcPr marL="176924" marR="176924" marT="96504" marB="88462" anchor="ctr">
+                    <a:lnL w="12700" cmpd="sng">
+                      <a:noFill/>
+                      <a:prstDash val="solid"/>
+                    </a:lnL>
+                    <a:lnR w="12700" cmpd="sng">
+                      <a:noFill/>
+                      <a:prstDash val="solid"/>
+                    </a:lnR>
+                    <a:lnT w="38100" cmpd="sng">
+                      <a:noFill/>
+                    </a:lnT>
+                    <a:lnB w="12700" cap="flat" cmpd="sng" algn="ctr">
+                      <a:solidFill>
+                        <a:schemeClr val="bg1">
+                          <a:lumMod val="75000"/>
+                        </a:schemeClr>
+                      </a:solidFill>
+                      <a:prstDash val="solid"/>
+                    </a:lnB>
+                    <a:solidFill>
+                      <a:srgbClr val="F2F2F2">
+                        <a:alpha val="45098"/>
+                      </a:srgbClr>
+                    </a:solidFill>
+                  </a:tcPr>
+                </a:tc>
+                <a:tc>
+                  <a:txBody>
+                    <a:bodyPr/>
+                    <a:lstStyle/>
+                    <a:p>
+                      <a:pPr>
+                        <a:buNone/>
+                      </a:pPr>
+                      <a:r>
+                        <a:rPr lang="en-US" altLang="zh-HK" sz="1300" cap="none" spc="0">
+                          <a:solidFill>
+                            <a:schemeClr val="tx1"/>
+                          </a:solidFill>
+                        </a:rPr>
+                        <a:t>1.4411</a:t>
+                      </a:r>
+                    </a:p>
+                  </a:txBody>
+                  <a:tcPr marL="176924" marR="176924" marT="96504" marB="88462" anchor="ctr">
+                    <a:lnL w="12700" cmpd="sng">
+                      <a:noFill/>
+                      <a:prstDash val="solid"/>
+                    </a:lnL>
+                    <a:lnR w="12700" cmpd="sng">
+                      <a:noFill/>
+                      <a:prstDash val="solid"/>
+                    </a:lnR>
+                    <a:lnT w="38100" cmpd="sng">
+                      <a:noFill/>
+                    </a:lnT>
+                    <a:lnB w="12700" cap="flat" cmpd="sng" algn="ctr">
+                      <a:solidFill>
+                        <a:schemeClr val="bg1">
+                          <a:lumMod val="75000"/>
+                        </a:schemeClr>
+                      </a:solidFill>
+                      <a:prstDash val="solid"/>
+                    </a:lnB>
+                    <a:solidFill>
+                      <a:srgbClr val="F2F2F2">
+                        <a:alpha val="45098"/>
+                      </a:srgbClr>
+                    </a:solidFill>
+                  </a:tcPr>
+                </a:tc>
+                <a:tc>
+                  <a:txBody>
+                    <a:bodyPr/>
+                    <a:lstStyle/>
+                    <a:p>
+                      <a:pPr>
+                        <a:buNone/>
+                      </a:pPr>
+                      <a:r>
+                        <a:rPr lang="en-US" altLang="zh-HK" sz="1300" cap="none" spc="0">
+                          <a:solidFill>
+                            <a:schemeClr val="tx1"/>
+                          </a:solidFill>
+                        </a:rPr>
+                        <a:t>1.7119</a:t>
+                      </a:r>
+                    </a:p>
+                  </a:txBody>
+                  <a:tcPr marL="176924" marR="176924" marT="96504" marB="88462" anchor="ctr">
+                    <a:lnL w="12700" cmpd="sng">
+                      <a:noFill/>
+                      <a:prstDash val="solid"/>
+                    </a:lnL>
+                    <a:lnR w="12700" cmpd="sng">
+                      <a:noFill/>
+                      <a:prstDash val="solid"/>
+                    </a:lnR>
+                    <a:lnT w="38100" cmpd="sng">
+                      <a:noFill/>
+                    </a:lnT>
+                    <a:lnB w="12700" cap="flat" cmpd="sng" algn="ctr">
+                      <a:solidFill>
+                        <a:schemeClr val="bg1">
+                          <a:lumMod val="75000"/>
+                        </a:schemeClr>
+                      </a:solidFill>
+                      <a:prstDash val="solid"/>
+                    </a:lnB>
+                    <a:solidFill>
+                      <a:srgbClr val="F2F2F2">
+                        <a:alpha val="45098"/>
+                      </a:srgbClr>
+                    </a:solidFill>
+                  </a:tcPr>
+                </a:tc>
+                <a:extLst>
+                  <a:ext uri="{0D108BD9-81ED-4DB2-BD59-A6C34878D82A}">
+                    <a16:rowId xmlns:a16="http://schemas.microsoft.com/office/drawing/2014/main" val="1537987072"/>
+                  </a:ext>
+                </a:extLst>
+              </a:tr>
+              <a:tr h="416576">
+                <a:tc>
+                  <a:txBody>
+                    <a:bodyPr/>
+                    <a:lstStyle/>
+                    <a:p>
+                      <a:pPr>
+                        <a:buNone/>
+                      </a:pPr>
+                      <a:r>
+                        <a:rPr lang="en-US" sz="1300" b="1" cap="none" spc="0">
+                          <a:solidFill>
+                            <a:schemeClr val="tx1"/>
+                          </a:solidFill>
+                        </a:rPr>
+                        <a:t>LSTM</a:t>
+                      </a:r>
+                      <a:endParaRPr lang="en-US" sz="1300" cap="none" spc="0">
+                        <a:solidFill>
+                          <a:schemeClr val="tx1"/>
+                        </a:solidFill>
+                      </a:endParaRPr>
+                    </a:p>
+                  </a:txBody>
+                  <a:tcPr marL="176924" marR="176924" marT="96504" marB="88462" anchor="ctr">
+                    <a:lnL w="12700" cmpd="sng">
+                      <a:noFill/>
+                      <a:prstDash val="solid"/>
+                    </a:lnL>
+                    <a:lnR w="12700" cmpd="sng">
+                      <a:noFill/>
+                      <a:prstDash val="solid"/>
+                    </a:lnR>
+                    <a:lnT w="12700" cap="flat" cmpd="sng" algn="ctr">
+                      <a:solidFill>
+                        <a:schemeClr val="bg1">
+                          <a:lumMod val="75000"/>
+                        </a:schemeClr>
+                      </a:solidFill>
+                      <a:prstDash val="solid"/>
+                    </a:lnT>
+                    <a:lnB w="12700" cmpd="sng">
+                      <a:noFill/>
+                      <a:prstDash val="solid"/>
+                    </a:lnB>
+                    <a:solidFill>
+                      <a:srgbClr val="BFBFBF">
+                        <a:alpha val="34902"/>
+                      </a:srgbClr>
+                    </a:solidFill>
+                  </a:tcPr>
+                </a:tc>
+                <a:tc>
+                  <a:txBody>
+                    <a:bodyPr/>
+                    <a:lstStyle/>
+                    <a:p>
+                      <a:pPr>
+                        <a:buNone/>
+                      </a:pPr>
+                      <a:r>
+                        <a:rPr lang="en-US" altLang="zh-HK" sz="1300" b="1" cap="none" spc="0">
+                          <a:solidFill>
+                            <a:schemeClr val="tx1"/>
+                          </a:solidFill>
+                        </a:rPr>
+                        <a:t>0.9216</a:t>
+                      </a:r>
+                      <a:endParaRPr lang="zh-HK" altLang="en-US" sz="1300" cap="none" spc="0">
+                        <a:solidFill>
+                          <a:schemeClr val="tx1"/>
+                        </a:solidFill>
+                      </a:endParaRPr>
+                    </a:p>
+                  </a:txBody>
+                  <a:tcPr marL="176924" marR="176924" marT="96504" marB="88462" anchor="ctr">
+                    <a:lnL w="12700" cmpd="sng">
+                      <a:noFill/>
+                      <a:prstDash val="solid"/>
+                    </a:lnL>
+                    <a:lnR w="12700" cmpd="sng">
+                      <a:noFill/>
+                      <a:prstDash val="solid"/>
+                    </a:lnR>
+                    <a:lnT w="12700" cap="flat" cmpd="sng" algn="ctr">
+                      <a:solidFill>
+                        <a:schemeClr val="bg1">
+                          <a:lumMod val="75000"/>
+                        </a:schemeClr>
+                      </a:solidFill>
+                      <a:prstDash val="solid"/>
+                    </a:lnT>
+                    <a:lnB w="12700" cmpd="sng">
+                      <a:noFill/>
+                      <a:prstDash val="solid"/>
+                    </a:lnB>
+                    <a:solidFill>
+                      <a:srgbClr val="BFBFBF">
+                        <a:alpha val="34902"/>
+                      </a:srgbClr>
+                    </a:solidFill>
+                  </a:tcPr>
+                </a:tc>
+                <a:tc>
+                  <a:txBody>
+                    <a:bodyPr/>
+                    <a:lstStyle/>
+                    <a:p>
+                      <a:pPr>
+                        <a:buNone/>
+                      </a:pPr>
+                      <a:r>
+                        <a:rPr lang="en-US" altLang="zh-HK" sz="1300" b="1" cap="none" spc="0">
+                          <a:solidFill>
+                            <a:schemeClr val="tx1"/>
+                          </a:solidFill>
+                        </a:rPr>
+                        <a:t>1.2611</a:t>
+                      </a:r>
+                      <a:endParaRPr lang="zh-HK" altLang="en-US" sz="1300" cap="none" spc="0">
+                        <a:solidFill>
+                          <a:schemeClr val="tx1"/>
+                        </a:solidFill>
+                      </a:endParaRPr>
+                    </a:p>
+                  </a:txBody>
+                  <a:tcPr marL="176924" marR="176924" marT="96504" marB="88462" anchor="ctr">
+                    <a:lnL w="12700" cmpd="sng">
+                      <a:noFill/>
+                      <a:prstDash val="solid"/>
+                    </a:lnL>
+                    <a:lnR w="12700" cmpd="sng">
+                      <a:noFill/>
+                      <a:prstDash val="solid"/>
+                    </a:lnR>
+                    <a:lnT w="12700" cap="flat" cmpd="sng" algn="ctr">
+                      <a:solidFill>
+                        <a:schemeClr val="bg1">
+                          <a:lumMod val="75000"/>
+                        </a:schemeClr>
+                      </a:solidFill>
+                      <a:prstDash val="solid"/>
+                    </a:lnT>
+                    <a:lnB w="12700" cmpd="sng">
+                      <a:noFill/>
+                      <a:prstDash val="solid"/>
+                    </a:lnB>
+                    <a:solidFill>
+                      <a:srgbClr val="BFBFBF">
+                        <a:alpha val="34902"/>
+                      </a:srgbClr>
+                    </a:solidFill>
+                  </a:tcPr>
+                </a:tc>
+                <a:extLst>
+                  <a:ext uri="{0D108BD9-81ED-4DB2-BD59-A6C34878D82A}">
+                    <a16:rowId xmlns:a16="http://schemas.microsoft.com/office/drawing/2014/main" val="955117992"/>
+                  </a:ext>
+                </a:extLst>
+              </a:tr>
+              <a:tr h="416576">
+                <a:tc>
+                  <a:txBody>
+                    <a:bodyPr/>
+                    <a:lstStyle/>
+                    <a:p>
+                      <a:pPr>
+                        <a:buNone/>
+                      </a:pPr>
+                      <a:r>
+                        <a:rPr lang="en-US" sz="1300" cap="none" spc="0">
+                          <a:solidFill>
+                            <a:schemeClr val="tx1"/>
+                          </a:solidFill>
+                        </a:rPr>
+                        <a:t>BiLSTM</a:t>
+                      </a:r>
+                    </a:p>
+                  </a:txBody>
+                  <a:tcPr marL="176924" marR="176924" marT="96504" marB="88462" anchor="ctr">
+                    <a:lnL w="12700" cmpd="sng">
+                      <a:noFill/>
+                      <a:prstDash val="solid"/>
+                    </a:lnL>
+                    <a:lnR w="12700" cmpd="sng">
+                      <a:noFill/>
+                      <a:prstDash val="solid"/>
+                    </a:lnR>
+                    <a:lnT w="12700" cmpd="sng">
+                      <a:noFill/>
+                      <a:prstDash val="solid"/>
+                    </a:lnT>
+                    <a:lnB w="12700" cmpd="sng">
+                      <a:noFill/>
+                      <a:prstDash val="solid"/>
+                    </a:lnB>
+                    <a:solidFill>
+                      <a:srgbClr val="F2F2F2">
+                        <a:alpha val="45098"/>
+                      </a:srgbClr>
+                    </a:solidFill>
+                  </a:tcPr>
+                </a:tc>
+                <a:tc>
+                  <a:txBody>
+                    <a:bodyPr/>
+                    <a:lstStyle/>
+                    <a:p>
+                      <a:pPr>
+                        <a:buNone/>
+                      </a:pPr>
+                      <a:r>
+                        <a:rPr lang="en-US" altLang="zh-HK" sz="1300" cap="none" spc="0">
+                          <a:solidFill>
+                            <a:schemeClr val="tx1"/>
+                          </a:solidFill>
+                        </a:rPr>
+                        <a:t>0.9520</a:t>
+                      </a:r>
+                    </a:p>
+                  </a:txBody>
+                  <a:tcPr marL="176924" marR="176924" marT="96504" marB="88462" anchor="ctr">
+                    <a:lnL w="12700" cmpd="sng">
+                      <a:noFill/>
+                      <a:prstDash val="solid"/>
+                    </a:lnL>
+                    <a:lnR w="12700" cmpd="sng">
+                      <a:noFill/>
+                      <a:prstDash val="solid"/>
+                    </a:lnR>
+                    <a:lnT w="12700" cmpd="sng">
+                      <a:noFill/>
+                      <a:prstDash val="solid"/>
+                    </a:lnT>
+                    <a:lnB w="12700" cmpd="sng">
+                      <a:noFill/>
+                      <a:prstDash val="solid"/>
+                    </a:lnB>
+                    <a:solidFill>
+                      <a:srgbClr val="F2F2F2">
+                        <a:alpha val="45098"/>
+                      </a:srgbClr>
+                    </a:solidFill>
+                  </a:tcPr>
+                </a:tc>
+                <a:tc>
+                  <a:txBody>
+                    <a:bodyPr/>
+                    <a:lstStyle/>
+                    <a:p>
+                      <a:pPr>
+                        <a:buNone/>
+                      </a:pPr>
+                      <a:r>
+                        <a:rPr lang="en-US" altLang="zh-HK" sz="1300" cap="none" spc="0">
+                          <a:solidFill>
+                            <a:schemeClr val="tx1"/>
+                          </a:solidFill>
+                        </a:rPr>
+                        <a:t>1.2650</a:t>
+                      </a:r>
+                    </a:p>
+                  </a:txBody>
+                  <a:tcPr marL="176924" marR="176924" marT="96504" marB="88462" anchor="ctr">
+                    <a:lnL w="12700" cmpd="sng">
+                      <a:noFill/>
+                      <a:prstDash val="solid"/>
+                    </a:lnL>
+                    <a:lnR w="12700" cmpd="sng">
+                      <a:noFill/>
+                      <a:prstDash val="solid"/>
+                    </a:lnR>
+                    <a:lnT w="12700" cmpd="sng">
+                      <a:noFill/>
+                      <a:prstDash val="solid"/>
+                    </a:lnT>
+                    <a:lnB w="12700" cmpd="sng">
+                      <a:noFill/>
+                      <a:prstDash val="solid"/>
+                    </a:lnB>
+                    <a:solidFill>
+                      <a:srgbClr val="F2F2F2">
+                        <a:alpha val="45098"/>
+                      </a:srgbClr>
+                    </a:solidFill>
+                  </a:tcPr>
+                </a:tc>
+                <a:extLst>
+                  <a:ext uri="{0D108BD9-81ED-4DB2-BD59-A6C34878D82A}">
+                    <a16:rowId xmlns:a16="http://schemas.microsoft.com/office/drawing/2014/main" val="2773133060"/>
+                  </a:ext>
+                </a:extLst>
+              </a:tr>
+            </a:tbl>
+          </a:graphicData>
+        </a:graphic>
+      </p:graphicFrame>
     </p:spTree>
   </p:cSld>
   <p:clrMapOvr>
@@ -3725,6 +4511,159 @@
                   <a:schemeClr val="bg1"/>
                 </a:solidFill>
               </a:rPr>
+              <a:t>Actual vs Predicted Temperature</a:t>
+            </a:r>
+          </a:p>
+        </p:txBody>
+      </p:sp>
+      <p:pic>
+        <p:nvPicPr>
+          <p:cNvPr id="3" name="Picture 2" descr="actual_vs_predicted.png"/>
+          <p:cNvPicPr>
+            <a:picLocks noChangeAspect="1"/>
+          </p:cNvPicPr>
+          <p:nvPr/>
+        </p:nvPicPr>
+        <p:blipFill>
+          <a:blip r:embed="rId2"/>
+          <a:stretch>
+            <a:fillRect/>
+          </a:stretch>
+        </p:blipFill>
+        <p:spPr>
+          <a:xfrm>
+            <a:off x="482600" y="2410366"/>
+            <a:ext cx="8178799" cy="2923921"/>
+          </a:xfrm>
+          <a:prstGeom prst="rect">
+            <a:avLst/>
+          </a:prstGeom>
+        </p:spPr>
+      </p:pic>
+    </p:spTree>
+  </p:cSld>
+  <p:clrMapOvr>
+    <a:masterClrMapping/>
+  </p:clrMapOvr>
+</p:sld>
+</file>
+
+<file path=ppt/slides/slide12.xml><?xml version="1.0" encoding="utf-8"?>
+<p:sld xmlns:a="http://schemas.openxmlformats.org/drawingml/2006/main" xmlns:r="http://schemas.openxmlformats.org/officeDocument/2006/relationships" xmlns:p="http://schemas.openxmlformats.org/presentationml/2006/main">
+  <p:cSld>
+    <p:bg>
+      <p:bgPr>
+        <a:solidFill>
+          <a:schemeClr val="bg1"/>
+        </a:solidFill>
+        <a:effectLst/>
+      </p:bgPr>
+    </p:bg>
+    <p:spTree>
+      <p:nvGrpSpPr>
+        <p:cNvPr id="1" name=""/>
+        <p:cNvGrpSpPr/>
+        <p:nvPr/>
+      </p:nvGrpSpPr>
+      <p:grpSpPr>
+        <a:xfrm>
+          <a:off x="0" y="0"/>
+          <a:ext cx="0" cy="0"/>
+          <a:chOff x="0" y="0"/>
+          <a:chExt cx="0" cy="0"/>
+        </a:xfrm>
+      </p:grpSpPr>
+      <p:sp>
+        <p:nvSpPr>
+          <p:cNvPr id="8" name="Rectangle 7">
+            <a:extLst>
+              <a:ext uri="{FF2B5EF4-FFF2-40B4-BE49-F238E27FC236}">
+                <a16:creationId xmlns:a16="http://schemas.microsoft.com/office/drawing/2014/main" id="{A4AC5506-6312-4701-8D3C-40187889A947}"/>
+              </a:ext>
+              <a:ext uri="{C183D7F6-B498-43B3-948B-1728B52AA6E4}">
+                <adec:decorative xmlns:adec="http://schemas.microsoft.com/office/drawing/2017/decorative" val="1"/>
+              </a:ext>
+            </a:extLst>
+          </p:cNvPr>
+          <p:cNvSpPr>
+            <a:spLocks noGrp="1" noRot="1" noChangeAspect="1" noMove="1" noResize="1" noEditPoints="1" noAdjustHandles="1" noChangeArrowheads="1" noChangeShapeType="1" noTextEdit="1"/>
+          </p:cNvSpPr>
+          <p:nvPr>
+            <p:extLst>
+              <p:ext uri="{386F3935-93C4-4BCD-93E2-E3B085C9AB24}">
+                <p16:designElem xmlns:p16="http://schemas.microsoft.com/office/powerpoint/2015/main" val="1"/>
+              </p:ext>
+            </p:extLst>
+          </p:nvPr>
+        </p:nvSpPr>
+        <p:spPr>
+          <a:xfrm>
+            <a:off x="0" y="651752"/>
+            <a:ext cx="9144000" cy="736551"/>
+          </a:xfrm>
+          <a:prstGeom prst="rect">
+            <a:avLst/>
+          </a:prstGeom>
+          <a:solidFill>
+            <a:schemeClr val="tx1"/>
+          </a:solidFill>
+          <a:ln>
+            <a:noFill/>
+          </a:ln>
+        </p:spPr>
+        <p:style>
+          <a:lnRef idx="2">
+            <a:schemeClr val="accent1">
+              <a:shade val="50000"/>
+            </a:schemeClr>
+          </a:lnRef>
+          <a:fillRef idx="1">
+            <a:schemeClr val="accent1"/>
+          </a:fillRef>
+          <a:effectRef idx="0">
+            <a:schemeClr val="accent1"/>
+          </a:effectRef>
+          <a:fontRef idx="minor">
+            <a:schemeClr val="lt1"/>
+          </a:fontRef>
+        </p:style>
+        <p:txBody>
+          <a:bodyPr rtlCol="0" anchor="ctr"/>
+          <a:lstStyle/>
+          <a:p>
+            <a:pPr algn="ctr"/>
+            <a:endParaRPr lang="en-US"/>
+          </a:p>
+        </p:txBody>
+      </p:sp>
+      <p:sp>
+        <p:nvSpPr>
+          <p:cNvPr id="2" name="Title 1"/>
+          <p:cNvSpPr>
+            <a:spLocks noGrp="1"/>
+          </p:cNvSpPr>
+          <p:nvPr>
+            <p:ph type="title"/>
+          </p:nvPr>
+        </p:nvSpPr>
+        <p:spPr>
+          <a:xfrm>
+            <a:off x="417399" y="643467"/>
+            <a:ext cx="8408193" cy="744836"/>
+          </a:xfrm>
+        </p:spPr>
+        <p:txBody>
+          <a:bodyPr>
+            <a:normAutofit/>
+          </a:bodyPr>
+          <a:lstStyle/>
+          <a:p>
+            <a:r>
+              <a:rPr lang="en-US" sz="2800">
+                <a:solidFill>
+                  <a:schemeClr val="bg1"/>
+                </a:solidFill>
+              </a:rPr>
               <a:t>Error Distribution</a:t>
             </a:r>
           </a:p>
@@ -3762,7 +4701,7 @@
 </p:sld>
 </file>
 
-<file path=ppt/slides/slide12.xml><?xml version="1.0" encoding="utf-8"?>
+<file path=ppt/slides/slide13.xml><?xml version="1.0" encoding="utf-8"?>
 <p:sld xmlns:a="http://schemas.openxmlformats.org/drawingml/2006/main" xmlns:r="http://schemas.openxmlformats.org/officeDocument/2006/relationships" xmlns:p="http://schemas.openxmlformats.org/presentationml/2006/main">
   <p:cSld>
     <p:bg>
@@ -4176,35 +5115,68 @@
         </p:spPr>
         <p:txBody>
           <a:bodyPr anchor="ctr">
-            <a:normAutofit/>
+            <a:normAutofit fontScale="85000" lnSpcReduction="20000"/>
           </a:bodyPr>
           <a:lstStyle/>
           <a:p>
             <a:r>
-              <a:rPr lang="en-US" sz="2100" dirty="0"/>
-              <a:t>RNN outperformed due to smooth, seasonal dataset.</a:t>
-            </a:r>
-          </a:p>
-          <a:p>
-            <a:r>
-              <a:rPr lang="en-US" sz="2100" dirty="0"/>
-              <a:t>LSTM overfitted on single-variable climate data.</a:t>
-            </a:r>
-          </a:p>
-          <a:p>
-            <a:r>
-              <a:rPr lang="en-US" sz="2100" dirty="0" err="1"/>
+              <a:rPr lang="en-US" altLang="zh-HK" sz="2400" b="1" dirty="0"/>
+              <a:t>Why LSTM performed best</a:t>
+            </a:r>
+            <a:endParaRPr lang="en-US" altLang="zh-HK" sz="2400" dirty="0"/>
+          </a:p>
+          <a:p>
+            <a:r>
+              <a:rPr lang="en-US" altLang="zh-HK" sz="2400" dirty="0"/>
+              <a:t>Gating mechanism captures long-term seasonal patterns.</a:t>
+            </a:r>
+          </a:p>
+          <a:p>
+            <a:r>
+              <a:rPr lang="en-US" altLang="zh-HK" sz="2400" dirty="0"/>
+              <a:t>More stable during sudden temperature changes.</a:t>
+            </a:r>
+          </a:p>
+          <a:p>
+            <a:r>
+              <a:rPr lang="en-US" altLang="zh-HK" sz="2400" b="1" dirty="0"/>
+              <a:t>Why RNN underperforms</a:t>
+            </a:r>
+            <a:endParaRPr lang="en-US" altLang="zh-HK" sz="2400" dirty="0"/>
+          </a:p>
+          <a:p>
+            <a:r>
+              <a:rPr lang="en-US" altLang="zh-HK" sz="2400" dirty="0"/>
+              <a:t>Vanishing gradients reduce its ability to learn 45-day sequences.</a:t>
+            </a:r>
+          </a:p>
+          <a:p>
+            <a:r>
+              <a:rPr lang="en-US" altLang="zh-HK" sz="2400" dirty="0"/>
+              <a:t>Errors increase during cold anomalies and rapid temperature drops.</a:t>
+            </a:r>
+          </a:p>
+          <a:p>
+            <a:r>
+              <a:rPr lang="en-US" altLang="zh-HK" sz="2400" b="1" dirty="0" err="1"/>
               <a:t>BiLSTM</a:t>
             </a:r>
             <a:r>
-              <a:rPr lang="en-US" sz="2100" dirty="0"/>
-              <a:t> improved stability but remained less consistent than RNN.</a:t>
-            </a:r>
-          </a:p>
-          <a:p>
-            <a:r>
-              <a:rPr lang="en-US" sz="2100" dirty="0"/>
-              <a:t>Cold anomalies increased error across all models.</a:t>
+              <a:rPr lang="en-US" altLang="zh-HK" sz="2400" b="1" dirty="0"/>
+              <a:t> performance</a:t>
+            </a:r>
+            <a:endParaRPr lang="en-US" altLang="zh-HK" sz="2400" dirty="0"/>
+          </a:p>
+          <a:p>
+            <a:r>
+              <a:rPr lang="en-US" altLang="zh-HK" sz="2400" dirty="0"/>
+              <a:t>Slightly improves stability.</a:t>
+            </a:r>
+          </a:p>
+          <a:p>
+            <a:r>
+              <a:rPr lang="en-US" altLang="zh-HK" sz="2400" dirty="0"/>
+              <a:t>But backward information does not help forecasting → no significant improvement over LSTM.</a:t>
             </a:r>
           </a:p>
         </p:txBody>
@@ -4269,7 +5241,7 @@
 </p:sld>
 </file>
 
-<file path=ppt/slides/slide13.xml><?xml version="1.0" encoding="utf-8"?>
+<file path=ppt/slides/slide14.xml><?xml version="1.0" encoding="utf-8"?>
 <p:sld xmlns:a="http://schemas.openxmlformats.org/drawingml/2006/main" xmlns:r="http://schemas.openxmlformats.org/officeDocument/2006/relationships" xmlns:p="http://schemas.openxmlformats.org/presentationml/2006/main">
   <p:cSld>
     <p:bg>
@@ -4535,34 +5507,72 @@
         </p:spPr>
         <p:txBody>
           <a:bodyPr anchor="t">
-            <a:normAutofit/>
+            <a:normAutofit fontScale="70000" lnSpcReduction="20000"/>
           </a:bodyPr>
           <a:lstStyle/>
           <a:p>
             <a:r>
-              <a:rPr lang="en-US" sz="2100" dirty="0"/>
-              <a:t>RNN is the most suitable model for this dataset.</a:t>
-            </a:r>
-          </a:p>
-          <a:p>
-            <a:r>
-              <a:rPr lang="en-US" sz="2100" dirty="0"/>
-              <a:t>LSTM and </a:t>
-            </a:r>
-            <a:r>
-              <a:rPr lang="en-US" sz="2100" dirty="0" err="1"/>
+              <a:rPr lang="en-US" altLang="zh-HK" sz="2400" b="1" dirty="0"/>
+              <a:t>Conclusion</a:t>
+            </a:r>
+            <a:endParaRPr lang="en-US" altLang="zh-HK" sz="2400" dirty="0"/>
+          </a:p>
+          <a:p>
+            <a:r>
+              <a:rPr lang="en-US" altLang="zh-HK" sz="2400" b="1" dirty="0"/>
+              <a:t>LSTM is the most suitable model</a:t>
+            </a:r>
+            <a:r>
+              <a:rPr lang="en-US" altLang="zh-HK" sz="2400" dirty="0"/>
+              <a:t> for forecasting Hong Kong grass minimum temperature.</a:t>
+            </a:r>
+          </a:p>
+          <a:p>
+            <a:r>
+              <a:rPr lang="en-US" altLang="zh-HK" sz="2400" dirty="0"/>
+              <a:t>RNN performs worst due to limited memory capacity.</a:t>
+            </a:r>
+          </a:p>
+          <a:p>
+            <a:r>
+              <a:rPr lang="en-US" altLang="zh-HK" sz="2400" dirty="0" err="1"/>
               <a:t>BiLSTM</a:t>
             </a:r>
             <a:r>
-              <a:rPr lang="en-US" sz="2100" dirty="0"/>
-              <a:t> complexity did not provide advantages.</a:t>
-            </a:r>
-          </a:p>
-          <a:p>
-            <a:r>
-              <a:rPr lang="en-US" sz="2100" dirty="0"/>
-              <a:t>Future work: multivariate models, GRU, hybrid architectures, probabilistic forecasting.</a:t>
-            </a:r>
+              <a:rPr lang="en-US" altLang="zh-HK" sz="2400" dirty="0"/>
+              <a:t> performs similarly to LSTM but provides no major advantage.</a:t>
+            </a:r>
+          </a:p>
+          <a:p>
+            <a:endParaRPr lang="en-US" altLang="zh-HK" sz="2400" dirty="0"/>
+          </a:p>
+          <a:p>
+            <a:r>
+              <a:rPr lang="en-US" altLang="zh-HK" sz="2400" b="1" dirty="0"/>
+              <a:t>Future work</a:t>
+            </a:r>
+            <a:endParaRPr lang="en-US" altLang="zh-HK" sz="2400" dirty="0"/>
+          </a:p>
+          <a:p>
+            <a:r>
+              <a:rPr lang="en-US" altLang="zh-HK" sz="2400" dirty="0"/>
+              <a:t>Use multivariate inputs (humidity, wind, cloud cover).</a:t>
+            </a:r>
+          </a:p>
+          <a:p>
+            <a:r>
+              <a:rPr lang="en-US" altLang="zh-HK" sz="2400" dirty="0"/>
+              <a:t>Try GRU, CNN-LSTM, or Transformer-based models.</a:t>
+            </a:r>
+          </a:p>
+          <a:p>
+            <a:r>
+              <a:rPr lang="en-US" altLang="zh-HK" sz="2400" dirty="0"/>
+              <a:t>Probabilistic forecasting to quantify uncertainty.</a:t>
+            </a:r>
+          </a:p>
+          <a:p>
+            <a:endParaRPr lang="en-US" sz="2100" dirty="0"/>
           </a:p>
         </p:txBody>
       </p:sp>
@@ -4574,7 +5584,7 @@
 </p:sld>
 </file>
 
-<file path=ppt/slides/slide14.xml><?xml version="1.0" encoding="utf-8"?>
+<file path=ppt/slides/slide15.xml><?xml version="1.0" encoding="utf-8"?>
 <p:sld xmlns:a="http://schemas.openxmlformats.org/drawingml/2006/main" xmlns:r="http://schemas.openxmlformats.org/officeDocument/2006/relationships" xmlns:p="http://schemas.openxmlformats.org/presentationml/2006/main">
   <p:cSld>
     <p:bg>
@@ -5353,49 +6363,6 @@
           </a:p>
         </p:txBody>
       </p:sp>
-      <p:sp>
-        <p:nvSpPr>
-          <p:cNvPr id="3" name="Content Placeholder 2"/>
-          <p:cNvSpPr>
-            <a:spLocks noGrp="1"/>
-          </p:cNvSpPr>
-          <p:nvPr>
-            <p:ph idx="1"/>
-          </p:nvPr>
-        </p:nvSpPr>
-        <p:spPr>
-          <a:xfrm>
-            <a:off x="783771" y="3017522"/>
-            <a:ext cx="7455989" cy="3124658"/>
-          </a:xfrm>
-        </p:spPr>
-        <p:txBody>
-          <a:bodyPr anchor="ctr">
-            <a:normAutofit/>
-          </a:bodyPr>
-          <a:lstStyle/>
-          <a:p>
-            <a:r>
-              <a:rPr lang="en-US" sz="2100"/>
-              <a:t>Grass Minimum Temperature is important for frost prediction, agriculture, and environmental monitoring.</a:t>
-            </a:r>
-          </a:p>
-          <a:p>
-            <a:pPr lvl="1"/>
-            <a:r>
-              <a:rPr lang="en-US" sz="2100"/>
-              <a:t>Hong Kong shows strong temperature seasonality.</a:t>
-            </a:r>
-          </a:p>
-          <a:p>
-            <a:pPr lvl="1"/>
-            <a:r>
-              <a:rPr lang="en-US" sz="2100"/>
-              <a:t>Deep learning handles nonlinear temporal patterns in climate data.</a:t>
-            </a:r>
-          </a:p>
-        </p:txBody>
-      </p:sp>
       <p:cxnSp>
         <p:nvCxnSpPr>
           <p:cNvPr id="17" name="Straight Connector 16">
@@ -5448,6 +6415,369 @@
           </a:fontRef>
         </p:style>
       </p:cxnSp>
+      <p:sp>
+        <p:nvSpPr>
+          <p:cNvPr id="5" name="Rectangle 2">
+            <a:extLst>
+              <a:ext uri="{FF2B5EF4-FFF2-40B4-BE49-F238E27FC236}">
+                <a16:creationId xmlns:a16="http://schemas.microsoft.com/office/drawing/2014/main" id="{D8D856E8-952E-6407-2167-BA3E2616D763}"/>
+              </a:ext>
+            </a:extLst>
+          </p:cNvPr>
+          <p:cNvSpPr>
+            <a:spLocks noGrp="1" noChangeArrowheads="1"/>
+          </p:cNvSpPr>
+          <p:nvPr>
+            <p:ph idx="1"/>
+          </p:nvPr>
+        </p:nvSpPr>
+        <p:spPr bwMode="auto">
+          <a:xfrm>
+            <a:off x="163230" y="3757003"/>
+            <a:ext cx="8814272" cy="1754326"/>
+          </a:xfrm>
+          <a:prstGeom prst="rect">
+            <a:avLst/>
+          </a:prstGeom>
+          <a:noFill/>
+          <a:ln>
+            <a:noFill/>
+          </a:ln>
+          <a:effectLst/>
+          <a:extLst>
+            <a:ext uri="{909E8E84-426E-40DD-AFC4-6F175D3DCCD1}">
+              <a14:hiddenFill xmlns:a14="http://schemas.microsoft.com/office/drawing/2010/main">
+                <a:solidFill>
+                  <a:schemeClr val="accent1"/>
+                </a:solidFill>
+              </a14:hiddenFill>
+            </a:ext>
+            <a:ext uri="{91240B29-F687-4F45-9708-019B960494DF}">
+              <a14:hiddenLine xmlns:a14="http://schemas.microsoft.com/office/drawing/2010/main" w="9525">
+                <a:solidFill>
+                  <a:schemeClr val="tx1"/>
+                </a:solidFill>
+                <a:miter lim="800000"/>
+                <a:headEnd/>
+                <a:tailEnd/>
+              </a14:hiddenLine>
+            </a:ext>
+            <a:ext uri="{AF507438-7753-43E0-B8FC-AC1667EBCBE1}">
+              <a14:hiddenEffects xmlns:a14="http://schemas.microsoft.com/office/drawing/2010/main">
+                <a:effectLst>
+                  <a:outerShdw dist="35921" dir="2700000" algn="ctr" rotWithShape="0">
+                    <a:schemeClr val="bg2"/>
+                  </a:outerShdw>
+                </a:effectLst>
+              </a14:hiddenEffects>
+            </a:ext>
+          </a:extLst>
+        </p:spPr>
+        <p:txBody>
+          <a:bodyPr vert="horz" wrap="none" lIns="91440" tIns="45720" rIns="91440" bIns="45720" numCol="1" anchor="ctr" anchorCtr="0" compatLnSpc="1">
+            <a:prstTxWarp prst="textNoShape">
+              <a:avLst/>
+            </a:prstTxWarp>
+            <a:spAutoFit/>
+          </a:bodyPr>
+          <a:lstStyle/>
+          <a:p>
+            <a:pPr marL="0" marR="0" lvl="0" indent="0" algn="l" defTabSz="914400" rtl="0" eaLnBrk="0" fontAlgn="base" latinLnBrk="0" hangingPunct="0">
+              <a:lnSpc>
+                <a:spcPct val="100000"/>
+              </a:lnSpc>
+              <a:spcBef>
+                <a:spcPct val="0"/>
+              </a:spcBef>
+              <a:spcAft>
+                <a:spcPct val="0"/>
+              </a:spcAft>
+              <a:buClrTx/>
+              <a:buSzTx/>
+              <a:buFontTx/>
+              <a:buChar char="•"/>
+              <a:tabLst/>
+            </a:pPr>
+            <a:r>
+              <a:rPr kumimoji="0" lang="zh-HK" altLang="zh-HK" sz="1800" b="0" i="0" u="none" strike="noStrike" cap="none" normalizeH="0" baseline="0" dirty="0">
+                <a:ln>
+                  <a:noFill/>
+                </a:ln>
+                <a:solidFill>
+                  <a:schemeClr val="tx1"/>
+                </a:solidFill>
+                <a:effectLst/>
+                <a:latin typeface="Arial" panose="020B0604020202020204" pitchFamily="34" charset="0"/>
+              </a:rPr>
+              <a:t>Grass minimum temperature affects </a:t>
+            </a:r>
+            <a:endParaRPr kumimoji="0" lang="en-US" altLang="zh-HK" sz="1800" b="0" i="0" u="none" strike="noStrike" cap="none" normalizeH="0" baseline="0" dirty="0">
+              <a:ln>
+                <a:noFill/>
+              </a:ln>
+              <a:solidFill>
+                <a:schemeClr val="tx1"/>
+              </a:solidFill>
+              <a:effectLst/>
+              <a:latin typeface="Arial" panose="020B0604020202020204" pitchFamily="34" charset="0"/>
+            </a:endParaRPr>
+          </a:p>
+          <a:p>
+            <a:pPr marL="0" marR="0" lvl="0" indent="0" algn="l" defTabSz="914400" rtl="0" eaLnBrk="0" fontAlgn="base" latinLnBrk="0" hangingPunct="0">
+              <a:lnSpc>
+                <a:spcPct val="100000"/>
+              </a:lnSpc>
+              <a:spcBef>
+                <a:spcPct val="0"/>
+              </a:spcBef>
+              <a:spcAft>
+                <a:spcPct val="0"/>
+              </a:spcAft>
+              <a:buClrTx/>
+              <a:buSzTx/>
+              <a:buNone/>
+              <a:tabLst/>
+            </a:pPr>
+            <a:r>
+              <a:rPr kumimoji="0" lang="zh-HK" altLang="zh-HK" sz="1800" b="1" i="0" u="none" strike="noStrike" cap="none" normalizeH="0" baseline="0" dirty="0">
+                <a:ln>
+                  <a:noFill/>
+                </a:ln>
+                <a:solidFill>
+                  <a:schemeClr val="tx1"/>
+                </a:solidFill>
+                <a:effectLst/>
+                <a:latin typeface="Arial" panose="020B0604020202020204" pitchFamily="34" charset="0"/>
+              </a:rPr>
+              <a:t>agriculture, frost warning</a:t>
+            </a:r>
+            <a:r>
+              <a:rPr kumimoji="0" lang="zh-HK" altLang="zh-HK" sz="1800" b="0" i="0" u="none" strike="noStrike" cap="none" normalizeH="0" baseline="0" dirty="0">
+                <a:ln>
+                  <a:noFill/>
+                </a:ln>
+                <a:solidFill>
+                  <a:schemeClr val="tx1"/>
+                </a:solidFill>
+                <a:effectLst/>
+                <a:latin typeface="Arial" panose="020B0604020202020204" pitchFamily="34" charset="0"/>
+              </a:rPr>
+              <a:t>, and microclimate analysis.</a:t>
+            </a:r>
+          </a:p>
+          <a:p>
+            <a:pPr marL="0" marR="0" lvl="0" indent="0" algn="l" defTabSz="914400" rtl="0" eaLnBrk="0" fontAlgn="base" latinLnBrk="0" hangingPunct="0">
+              <a:lnSpc>
+                <a:spcPct val="100000"/>
+              </a:lnSpc>
+              <a:spcBef>
+                <a:spcPct val="0"/>
+              </a:spcBef>
+              <a:spcAft>
+                <a:spcPct val="0"/>
+              </a:spcAft>
+              <a:buClrTx/>
+              <a:buSzTx/>
+              <a:buFontTx/>
+              <a:buChar char="•"/>
+              <a:tabLst/>
+            </a:pPr>
+            <a:r>
+              <a:rPr kumimoji="0" lang="zh-HK" altLang="zh-HK" sz="1800" b="0" i="0" u="none" strike="noStrike" cap="none" normalizeH="0" baseline="0" dirty="0">
+                <a:ln>
+                  <a:noFill/>
+                </a:ln>
+                <a:solidFill>
+                  <a:schemeClr val="tx1"/>
+                </a:solidFill>
+                <a:effectLst/>
+                <a:latin typeface="Arial" panose="020B0604020202020204" pitchFamily="34" charset="0"/>
+              </a:rPr>
+              <a:t>Temperature near ground level changes </a:t>
+            </a:r>
+            <a:r>
+              <a:rPr kumimoji="0" lang="zh-HK" altLang="zh-HK" sz="1800" b="1" i="0" u="none" strike="noStrike" cap="none" normalizeH="0" baseline="0" dirty="0">
+                <a:ln>
+                  <a:noFill/>
+                </a:ln>
+                <a:solidFill>
+                  <a:schemeClr val="tx1"/>
+                </a:solidFill>
+                <a:effectLst/>
+                <a:latin typeface="Arial" panose="020B0604020202020204" pitchFamily="34" charset="0"/>
+              </a:rPr>
+              <a:t>faster</a:t>
+            </a:r>
+            <a:r>
+              <a:rPr kumimoji="0" lang="zh-HK" altLang="zh-HK" sz="1800" b="0" i="0" u="none" strike="noStrike" cap="none" normalizeH="0" baseline="0" dirty="0">
+                <a:ln>
+                  <a:noFill/>
+                </a:ln>
+                <a:solidFill>
+                  <a:schemeClr val="tx1"/>
+                </a:solidFill>
+                <a:effectLst/>
+                <a:latin typeface="Arial" panose="020B0604020202020204" pitchFamily="34" charset="0"/>
+              </a:rPr>
+              <a:t> than air temperature</a:t>
+            </a:r>
+            <a:endParaRPr kumimoji="0" lang="en-US" altLang="zh-HK" sz="1800" b="0" i="0" u="none" strike="noStrike" cap="none" normalizeH="0" baseline="0" dirty="0">
+              <a:ln>
+                <a:noFill/>
+              </a:ln>
+              <a:solidFill>
+                <a:schemeClr val="tx1"/>
+              </a:solidFill>
+              <a:effectLst/>
+              <a:latin typeface="Arial" panose="020B0604020202020204" pitchFamily="34" charset="0"/>
+            </a:endParaRPr>
+          </a:p>
+          <a:p>
+            <a:pPr marL="0" marR="0" lvl="0" indent="0" algn="l" defTabSz="914400" rtl="0" eaLnBrk="0" fontAlgn="base" latinLnBrk="0" hangingPunct="0">
+              <a:lnSpc>
+                <a:spcPct val="100000"/>
+              </a:lnSpc>
+              <a:spcBef>
+                <a:spcPct val="0"/>
+              </a:spcBef>
+              <a:spcAft>
+                <a:spcPct val="0"/>
+              </a:spcAft>
+              <a:buClrTx/>
+              <a:buSzTx/>
+              <a:buNone/>
+              <a:tabLst/>
+            </a:pPr>
+            <a:r>
+              <a:rPr kumimoji="0" lang="zh-HK" altLang="zh-HK" sz="1800" b="0" i="0" u="none" strike="noStrike" cap="none" normalizeH="0" baseline="0" dirty="0">
+                <a:ln>
+                  <a:noFill/>
+                </a:ln>
+                <a:solidFill>
+                  <a:schemeClr val="tx1"/>
+                </a:solidFill>
+                <a:effectLst/>
+                <a:latin typeface="Arial" panose="020B0604020202020204" pitchFamily="34" charset="0"/>
+              </a:rPr>
+              <a:t>→ harder to predict.</a:t>
+            </a:r>
+          </a:p>
+          <a:p>
+            <a:pPr marL="0" marR="0" lvl="0" indent="0" algn="l" defTabSz="914400" rtl="0" eaLnBrk="0" fontAlgn="base" latinLnBrk="0" hangingPunct="0">
+              <a:lnSpc>
+                <a:spcPct val="100000"/>
+              </a:lnSpc>
+              <a:spcBef>
+                <a:spcPct val="0"/>
+              </a:spcBef>
+              <a:spcAft>
+                <a:spcPct val="0"/>
+              </a:spcAft>
+              <a:buClrTx/>
+              <a:buSzTx/>
+              <a:buFontTx/>
+              <a:buChar char="•"/>
+              <a:tabLst/>
+            </a:pPr>
+            <a:r>
+              <a:rPr kumimoji="0" lang="zh-HK" altLang="zh-HK" sz="1800" b="0" i="0" u="none" strike="noStrike" cap="none" normalizeH="0" baseline="0" dirty="0">
+                <a:ln>
+                  <a:noFill/>
+                </a:ln>
+                <a:solidFill>
+                  <a:schemeClr val="tx1"/>
+                </a:solidFill>
+                <a:effectLst/>
+                <a:latin typeface="Arial" panose="020B0604020202020204" pitchFamily="34" charset="0"/>
+              </a:rPr>
+              <a:t>Hong Kong shows </a:t>
+            </a:r>
+            <a:r>
+              <a:rPr kumimoji="0" lang="zh-HK" altLang="zh-HK" sz="1800" b="1" i="0" u="none" strike="noStrike" cap="none" normalizeH="0" baseline="0" dirty="0">
+                <a:ln>
+                  <a:noFill/>
+                </a:ln>
+                <a:solidFill>
+                  <a:schemeClr val="tx1"/>
+                </a:solidFill>
+                <a:effectLst/>
+                <a:latin typeface="Arial" panose="020B0604020202020204" pitchFamily="34" charset="0"/>
+              </a:rPr>
+              <a:t>clear seasonality</a:t>
+            </a:r>
+            <a:r>
+              <a:rPr kumimoji="0" lang="zh-HK" altLang="zh-HK" sz="1800" b="0" i="0" u="none" strike="noStrike" cap="none" normalizeH="0" baseline="0" dirty="0">
+                <a:ln>
+                  <a:noFill/>
+                </a:ln>
+                <a:solidFill>
+                  <a:schemeClr val="tx1"/>
+                </a:solidFill>
+                <a:effectLst/>
+                <a:latin typeface="Arial" panose="020B0604020202020204" pitchFamily="34" charset="0"/>
+              </a:rPr>
+              <a:t>, making it suitable for sequence modelling.</a:t>
+            </a:r>
+          </a:p>
+          <a:p>
+            <a:pPr marL="0" marR="0" lvl="0" indent="0" algn="l" defTabSz="914400" rtl="0" eaLnBrk="0" fontAlgn="base" latinLnBrk="0" hangingPunct="0">
+              <a:lnSpc>
+                <a:spcPct val="100000"/>
+              </a:lnSpc>
+              <a:spcBef>
+                <a:spcPct val="0"/>
+              </a:spcBef>
+              <a:spcAft>
+                <a:spcPct val="0"/>
+              </a:spcAft>
+              <a:buClrTx/>
+              <a:buSzTx/>
+              <a:buFontTx/>
+              <a:buChar char="•"/>
+              <a:tabLst/>
+            </a:pPr>
+            <a:r>
+              <a:rPr kumimoji="0" lang="zh-HK" altLang="zh-HK" sz="1800" b="0" i="0" u="none" strike="noStrike" cap="none" normalizeH="0" baseline="0" dirty="0">
+                <a:ln>
+                  <a:noFill/>
+                </a:ln>
+                <a:solidFill>
+                  <a:schemeClr val="tx1"/>
+                </a:solidFill>
+                <a:effectLst/>
+                <a:latin typeface="Arial" panose="020B0604020202020204" pitchFamily="34" charset="0"/>
+              </a:rPr>
+              <a:t>Deep learning models (RNN/LSTM) are effective for </a:t>
+            </a:r>
+            <a:r>
+              <a:rPr kumimoji="0" lang="zh-HK" altLang="zh-HK" sz="1800" b="1" i="0" u="none" strike="noStrike" cap="none" normalizeH="0" baseline="0" dirty="0">
+                <a:ln>
+                  <a:noFill/>
+                </a:ln>
+                <a:solidFill>
+                  <a:schemeClr val="tx1"/>
+                </a:solidFill>
+                <a:effectLst/>
+                <a:latin typeface="Arial" panose="020B0604020202020204" pitchFamily="34" charset="0"/>
+              </a:rPr>
+              <a:t>non-linear temporal patterns</a:t>
+            </a:r>
+            <a:r>
+              <a:rPr kumimoji="0" lang="zh-HK" altLang="zh-HK" sz="1800" b="0" i="0" u="none" strike="noStrike" cap="none" normalizeH="0" baseline="0" dirty="0">
+                <a:ln>
+                  <a:noFill/>
+                </a:ln>
+                <a:solidFill>
+                  <a:schemeClr val="tx1"/>
+                </a:solidFill>
+                <a:effectLst/>
+                <a:latin typeface="Arial" panose="020B0604020202020204" pitchFamily="34" charset="0"/>
+              </a:rPr>
+              <a:t>.</a:t>
+            </a:r>
+          </a:p>
+        </p:txBody>
+      </p:sp>
     </p:spTree>
   </p:cSld>
   <p:clrMapOvr>
@@ -5795,64 +7125,363 @@
       </p:sp>
       <p:sp>
         <p:nvSpPr>
-          <p:cNvPr id="3" name="Content Placeholder 2"/>
-          <p:cNvSpPr>
-            <a:spLocks noGrp="1"/>
+          <p:cNvPr id="4" name="Rectangle 1">
+            <a:extLst>
+              <a:ext uri="{FF2B5EF4-FFF2-40B4-BE49-F238E27FC236}">
+                <a16:creationId xmlns:a16="http://schemas.microsoft.com/office/drawing/2014/main" id="{C2764431-93E2-EB5F-9843-33C58EFCC0FC}"/>
+              </a:ext>
+            </a:extLst>
+          </p:cNvPr>
+          <p:cNvSpPr>
+            <a:spLocks noGrp="1" noChangeArrowheads="1"/>
           </p:cNvSpPr>
           <p:nvPr>
             <p:ph idx="1"/>
           </p:nvPr>
         </p:nvSpPr>
-        <p:spPr>
+        <p:spPr bwMode="auto">
           <a:xfrm>
-            <a:off x="966978" y="2902913"/>
-            <a:ext cx="7387313" cy="3032168"/>
+            <a:off x="966788" y="2903538"/>
+            <a:ext cx="7388225" cy="3032125"/>
           </a:xfrm>
+          <a:prstGeom prst="rect">
+            <a:avLst/>
+          </a:prstGeom>
+          <a:noFill/>
+          <a:ln>
+            <a:noFill/>
+          </a:ln>
+          <a:effectLst/>
+          <a:extLst>
+            <a:ext uri="{909E8E84-426E-40DD-AFC4-6F175D3DCCD1}">
+              <a14:hiddenFill xmlns:a14="http://schemas.microsoft.com/office/drawing/2010/main">
+                <a:solidFill>
+                  <a:schemeClr val="accent1"/>
+                </a:solidFill>
+              </a14:hiddenFill>
+            </a:ext>
+            <a:ext uri="{91240B29-F687-4F45-9708-019B960494DF}">
+              <a14:hiddenLine xmlns:a14="http://schemas.microsoft.com/office/drawing/2010/main" w="9525">
+                <a:solidFill>
+                  <a:schemeClr val="tx1"/>
+                </a:solidFill>
+                <a:miter lim="800000"/>
+                <a:headEnd/>
+                <a:tailEnd/>
+              </a14:hiddenLine>
+            </a:ext>
+            <a:ext uri="{AF507438-7753-43E0-B8FC-AC1667EBCBE1}">
+              <a14:hiddenEffects xmlns:a14="http://schemas.microsoft.com/office/drawing/2010/main">
+                <a:effectLst>
+                  <a:outerShdw dist="35921" dir="2700000" algn="ctr" rotWithShape="0">
+                    <a:schemeClr val="bg2"/>
+                  </a:outerShdw>
+                </a:effectLst>
+              </a14:hiddenEffects>
+            </a:ext>
+          </a:extLst>
         </p:spPr>
         <p:txBody>
-          <a:bodyPr anchor="ctr">
-            <a:normAutofit/>
+          <a:bodyPr vert="horz" wrap="none" lIns="91440" tIns="45720" rIns="91440" bIns="45720" numCol="1" anchor="ctr" anchorCtr="0" compatLnSpc="1">
+            <a:prstTxWarp prst="textNoShape">
+              <a:avLst/>
+            </a:prstTxWarp>
+            <a:spAutoFit/>
           </a:bodyPr>
           <a:lstStyle/>
           <a:p>
-            <a:r>
-              <a:rPr lang="en-US" sz="1700" dirty="0"/>
+            <a:pPr marL="0" marR="0" lvl="0" indent="0" algn="l" defTabSz="914400" rtl="0" eaLnBrk="0" fontAlgn="base" latinLnBrk="0" hangingPunct="0">
+              <a:lnSpc>
+                <a:spcPct val="100000"/>
+              </a:lnSpc>
+              <a:spcBef>
+                <a:spcPct val="0"/>
+              </a:spcBef>
+              <a:spcAft>
+                <a:spcPct val="0"/>
+              </a:spcAft>
+              <a:buClrTx/>
+              <a:buSzTx/>
+              <a:buFontTx/>
+              <a:buChar char="•"/>
+              <a:tabLst/>
+            </a:pPr>
+            <a:r>
+              <a:rPr kumimoji="0" lang="zh-HK" altLang="zh-HK" sz="1800" b="0" i="0" u="none" strike="noStrike" cap="none" normalizeH="0" baseline="0">
+                <a:ln>
+                  <a:noFill/>
+                </a:ln>
+                <a:solidFill>
+                  <a:schemeClr val="tx1"/>
+                </a:solidFill>
+                <a:effectLst/>
+                <a:latin typeface="Arial" panose="020B0604020202020204" pitchFamily="34" charset="0"/>
+              </a:rPr>
               <a:t>Preprocess HKO grass minimum temperature data (1980–2025).</a:t>
             </a:r>
           </a:p>
           <a:p>
-            <a:pPr marL="457200" lvl="1" indent="0">
-              <a:buNone/>
+            <a:pPr marL="0" marR="0" lvl="0" indent="0" algn="l" defTabSz="914400" rtl="0" eaLnBrk="0" fontAlgn="base" latinLnBrk="0" hangingPunct="0">
+              <a:lnSpc>
+                <a:spcPct val="100000"/>
+              </a:lnSpc>
+              <a:spcBef>
+                <a:spcPct val="0"/>
+              </a:spcBef>
+              <a:spcAft>
+                <a:spcPct val="0"/>
+              </a:spcAft>
+              <a:buClrTx/>
+              <a:buSzTx/>
+              <a:buFontTx/>
+              <a:buChar char="•"/>
+              <a:tabLst/>
             </a:pPr>
             <a:r>
-              <a:rPr lang="en-US" sz="1700" dirty="0"/>
-              <a:t>Train and compare RNN, LSTM, and </a:t>
-            </a:r>
-            <a:r>
-              <a:rPr lang="en-US" sz="1700" dirty="0" err="1"/>
-              <a:t>BiLSTM</a:t>
-            </a:r>
-            <a:r>
-              <a:rPr lang="en-US" sz="1700" dirty="0"/>
+              <a:rPr kumimoji="0" lang="zh-HK" altLang="zh-HK" sz="1800" b="0" i="0" u="none" strike="noStrike" cap="none" normalizeH="0" baseline="0">
+                <a:ln>
+                  <a:noFill/>
+                </a:ln>
+                <a:solidFill>
+                  <a:schemeClr val="tx1"/>
+                </a:solidFill>
+                <a:effectLst/>
+                <a:latin typeface="Arial" panose="020B0604020202020204" pitchFamily="34" charset="0"/>
+              </a:rPr>
+              <a:t>Convert data into 45-day sliding window sequences.</a:t>
+            </a:r>
+          </a:p>
+          <a:p>
+            <a:pPr marL="0" marR="0" lvl="0" indent="0" algn="l" defTabSz="914400" rtl="0" eaLnBrk="0" fontAlgn="base" latinLnBrk="0" hangingPunct="0">
+              <a:lnSpc>
+                <a:spcPct val="100000"/>
+              </a:lnSpc>
+              <a:spcBef>
+                <a:spcPct val="0"/>
+              </a:spcBef>
+              <a:spcAft>
+                <a:spcPct val="0"/>
+              </a:spcAft>
+              <a:buClrTx/>
+              <a:buSzTx/>
+              <a:buFontTx/>
+              <a:buChar char="•"/>
+              <a:tabLst/>
+            </a:pPr>
+            <a:r>
+              <a:rPr kumimoji="0" lang="zh-HK" altLang="zh-HK" sz="1800" b="0" i="0" u="none" strike="noStrike" cap="none" normalizeH="0" baseline="0">
+                <a:ln>
+                  <a:noFill/>
+                </a:ln>
+                <a:solidFill>
+                  <a:schemeClr val="tx1"/>
+                </a:solidFill>
+                <a:effectLst/>
+                <a:latin typeface="Arial" panose="020B0604020202020204" pitchFamily="34" charset="0"/>
+              </a:rPr>
+              <a:t>Train three models: </a:t>
+            </a:r>
+            <a:r>
+              <a:rPr kumimoji="0" lang="zh-HK" altLang="zh-HK" sz="1800" b="1" i="0" u="none" strike="noStrike" cap="none" normalizeH="0" baseline="0">
+                <a:ln>
+                  <a:noFill/>
+                </a:ln>
+                <a:solidFill>
+                  <a:schemeClr val="tx1"/>
+                </a:solidFill>
+                <a:effectLst/>
+                <a:latin typeface="Arial" panose="020B0604020202020204" pitchFamily="34" charset="0"/>
+              </a:rPr>
+              <a:t>RNN, LSTM, BiLSTM</a:t>
+            </a:r>
+            <a:r>
+              <a:rPr kumimoji="0" lang="zh-HK" altLang="zh-HK" sz="1800" b="0" i="0" u="none" strike="noStrike" cap="none" normalizeH="0" baseline="0">
+                <a:ln>
+                  <a:noFill/>
+                </a:ln>
+                <a:solidFill>
+                  <a:schemeClr val="tx1"/>
+                </a:solidFill>
+                <a:effectLst/>
+                <a:latin typeface="Arial" panose="020B0604020202020204" pitchFamily="34" charset="0"/>
+              </a:rPr>
               <a:t>.</a:t>
             </a:r>
           </a:p>
           <a:p>
-            <a:pPr marL="457200" lvl="1" indent="0">
-              <a:buNone/>
+            <a:pPr marL="0" marR="0" lvl="0" indent="0" algn="l" defTabSz="914400" rtl="0" eaLnBrk="0" fontAlgn="base" latinLnBrk="0" hangingPunct="0">
+              <a:lnSpc>
+                <a:spcPct val="100000"/>
+              </a:lnSpc>
+              <a:spcBef>
+                <a:spcPct val="0"/>
+              </a:spcBef>
+              <a:spcAft>
+                <a:spcPct val="0"/>
+              </a:spcAft>
+              <a:buClrTx/>
+              <a:buSzTx/>
+              <a:buFontTx/>
+              <a:buChar char="•"/>
+              <a:tabLst/>
             </a:pPr>
             <a:r>
-              <a:rPr lang="en-US" sz="1700" dirty="0"/>
-              <a:t>Evaluate models on unseen 2025 data using MAE and RMSE.</a:t>
-            </a:r>
-          </a:p>
-          <a:p>
-            <a:pPr marL="457200" lvl="1" indent="0">
-              <a:buNone/>
+              <a:rPr kumimoji="0" lang="zh-HK" altLang="zh-HK" sz="1800" b="0" i="0" u="none" strike="noStrike" cap="none" normalizeH="0" baseline="0">
+                <a:ln>
+                  <a:noFill/>
+                </a:ln>
+                <a:solidFill>
+                  <a:schemeClr val="tx1"/>
+                </a:solidFill>
+                <a:effectLst/>
+                <a:latin typeface="Arial" panose="020B0604020202020204" pitchFamily="34" charset="0"/>
+              </a:rPr>
+              <a:t>Evaluate performance on 2025 unseen data.</a:t>
+            </a:r>
+          </a:p>
+          <a:p>
+            <a:pPr marL="0" marR="0" lvl="0" indent="0" algn="l" defTabSz="914400" rtl="0" eaLnBrk="0" fontAlgn="base" latinLnBrk="0" hangingPunct="0">
+              <a:lnSpc>
+                <a:spcPct val="100000"/>
+              </a:lnSpc>
+              <a:spcBef>
+                <a:spcPct val="0"/>
+              </a:spcBef>
+              <a:spcAft>
+                <a:spcPct val="0"/>
+              </a:spcAft>
+              <a:buClrTx/>
+              <a:buSzTx/>
+              <a:buFontTx/>
+              <a:buChar char="•"/>
+              <a:tabLst/>
             </a:pPr>
             <a:r>
-              <a:rPr lang="en-US" sz="1700" dirty="0"/>
-              <a:t>Interpret results and publish reproducible code on GitHub.</a:t>
+              <a:rPr kumimoji="0" lang="zh-HK" altLang="zh-HK" sz="1800" b="0" i="0" u="none" strike="noStrike" cap="none" normalizeH="0" baseline="0">
+                <a:ln>
+                  <a:noFill/>
+                </a:ln>
+                <a:solidFill>
+                  <a:schemeClr val="tx1"/>
+                </a:solidFill>
+                <a:effectLst/>
+                <a:latin typeface="Arial" panose="020B0604020202020204" pitchFamily="34" charset="0"/>
+              </a:rPr>
+              <a:t>Compare models using </a:t>
+            </a:r>
+            <a:r>
+              <a:rPr kumimoji="0" lang="zh-HK" altLang="zh-HK" sz="1800" b="1" i="0" u="none" strike="noStrike" cap="none" normalizeH="0" baseline="0">
+                <a:ln>
+                  <a:noFill/>
+                </a:ln>
+                <a:solidFill>
+                  <a:schemeClr val="tx1"/>
+                </a:solidFill>
+                <a:effectLst/>
+                <a:latin typeface="Arial" panose="020B0604020202020204" pitchFamily="34" charset="0"/>
+              </a:rPr>
+              <a:t>MAE</a:t>
+            </a:r>
+            <a:r>
+              <a:rPr kumimoji="0" lang="zh-HK" altLang="zh-HK" sz="1800" b="0" i="0" u="none" strike="noStrike" cap="none" normalizeH="0" baseline="0">
+                <a:ln>
+                  <a:noFill/>
+                </a:ln>
+                <a:solidFill>
+                  <a:schemeClr val="tx1"/>
+                </a:solidFill>
+                <a:effectLst/>
+                <a:latin typeface="Arial" panose="020B0604020202020204" pitchFamily="34" charset="0"/>
+              </a:rPr>
+              <a:t> and </a:t>
+            </a:r>
+            <a:r>
+              <a:rPr kumimoji="0" lang="zh-HK" altLang="zh-HK" sz="1800" b="1" i="0" u="none" strike="noStrike" cap="none" normalizeH="0" baseline="0">
+                <a:ln>
+                  <a:noFill/>
+                </a:ln>
+                <a:solidFill>
+                  <a:schemeClr val="tx1"/>
+                </a:solidFill>
+                <a:effectLst/>
+                <a:latin typeface="Arial" panose="020B0604020202020204" pitchFamily="34" charset="0"/>
+              </a:rPr>
+              <a:t>RMSE</a:t>
+            </a:r>
+            <a:r>
+              <a:rPr kumimoji="0" lang="zh-HK" altLang="zh-HK" sz="1800" b="0" i="0" u="none" strike="noStrike" cap="none" normalizeH="0" baseline="0">
+                <a:ln>
+                  <a:noFill/>
+                </a:ln>
+                <a:solidFill>
+                  <a:schemeClr val="tx1"/>
+                </a:solidFill>
+                <a:effectLst/>
+                <a:latin typeface="Arial" panose="020B0604020202020204" pitchFamily="34" charset="0"/>
+              </a:rPr>
+              <a:t>.</a:t>
+            </a:r>
+          </a:p>
+          <a:p>
+            <a:pPr marL="0" marR="0" lvl="0" indent="0" algn="l" defTabSz="914400" rtl="0" eaLnBrk="0" fontAlgn="base" latinLnBrk="0" hangingPunct="0">
+              <a:lnSpc>
+                <a:spcPct val="100000"/>
+              </a:lnSpc>
+              <a:spcBef>
+                <a:spcPct val="0"/>
+              </a:spcBef>
+              <a:spcAft>
+                <a:spcPct val="0"/>
+              </a:spcAft>
+              <a:buClrTx/>
+              <a:buSzTx/>
+              <a:buFontTx/>
+              <a:buChar char="•"/>
+              <a:tabLst/>
+            </a:pPr>
+            <a:r>
+              <a:rPr kumimoji="0" lang="zh-HK" altLang="zh-HK" sz="1800" b="0" i="0" u="none" strike="noStrike" cap="none" normalizeH="0" baseline="0">
+                <a:ln>
+                  <a:noFill/>
+                </a:ln>
+                <a:solidFill>
+                  <a:schemeClr val="tx1"/>
+                </a:solidFill>
+                <a:effectLst/>
+                <a:latin typeface="Arial" panose="020B0604020202020204" pitchFamily="34" charset="0"/>
+              </a:rPr>
+              <a:t>Identify which architecture provides the most accurate forecast.</a:t>
+            </a:r>
+          </a:p>
+          <a:p>
+            <a:pPr marL="0" marR="0" lvl="0" indent="0" algn="l" defTabSz="914400" rtl="0" eaLnBrk="0" fontAlgn="base" latinLnBrk="0" hangingPunct="0">
+              <a:lnSpc>
+                <a:spcPct val="100000"/>
+              </a:lnSpc>
+              <a:spcBef>
+                <a:spcPct val="0"/>
+              </a:spcBef>
+              <a:spcAft>
+                <a:spcPct val="0"/>
+              </a:spcAft>
+              <a:buClrTx/>
+              <a:buSzTx/>
+              <a:buFontTx/>
+              <a:buChar char="•"/>
+              <a:tabLst/>
+            </a:pPr>
+            <a:r>
+              <a:rPr kumimoji="0" lang="zh-HK" altLang="zh-HK" sz="1800" b="0" i="0" u="none" strike="noStrike" cap="none" normalizeH="0" baseline="0">
+                <a:ln>
+                  <a:noFill/>
+                </a:ln>
+                <a:solidFill>
+                  <a:schemeClr val="tx1"/>
+                </a:solidFill>
+                <a:effectLst/>
+                <a:latin typeface="Arial" panose="020B0604020202020204" pitchFamily="34" charset="0"/>
+              </a:rPr>
+              <a:t>Publish reproducible code on GitHub.</a:t>
             </a:r>
           </a:p>
         </p:txBody>
@@ -6205,57 +7834,612 @@
       </p:sp>
       <p:sp>
         <p:nvSpPr>
-          <p:cNvPr id="3" name="Content Placeholder 2"/>
-          <p:cNvSpPr>
-            <a:spLocks noGrp="1"/>
+          <p:cNvPr id="4" name="Rectangle 1">
+            <a:extLst>
+              <a:ext uri="{FF2B5EF4-FFF2-40B4-BE49-F238E27FC236}">
+                <a16:creationId xmlns:a16="http://schemas.microsoft.com/office/drawing/2014/main" id="{A06234EB-9258-A543-C1D5-7B7FD1C8C467}"/>
+              </a:ext>
+            </a:extLst>
+          </p:cNvPr>
+          <p:cNvSpPr>
+            <a:spLocks noGrp="1" noChangeArrowheads="1"/>
           </p:cNvSpPr>
           <p:nvPr>
             <p:ph idx="1"/>
           </p:nvPr>
         </p:nvSpPr>
-        <p:spPr>
+        <p:spPr bwMode="auto">
           <a:xfrm>
-            <a:off x="595245" y="2599509"/>
-            <a:ext cx="7607751" cy="3435531"/>
+            <a:off x="2310803" y="2291842"/>
+            <a:ext cx="4522392" cy="3970318"/>
           </a:xfrm>
+          <a:prstGeom prst="rect">
+            <a:avLst/>
+          </a:prstGeom>
+          <a:noFill/>
+          <a:ln>
+            <a:noFill/>
+          </a:ln>
+          <a:effectLst/>
+          <a:extLst>
+            <a:ext uri="{909E8E84-426E-40DD-AFC4-6F175D3DCCD1}">
+              <a14:hiddenFill xmlns:a14="http://schemas.microsoft.com/office/drawing/2010/main">
+                <a:solidFill>
+                  <a:schemeClr val="accent1"/>
+                </a:solidFill>
+              </a14:hiddenFill>
+            </a:ext>
+            <a:ext uri="{91240B29-F687-4F45-9708-019B960494DF}">
+              <a14:hiddenLine xmlns:a14="http://schemas.microsoft.com/office/drawing/2010/main" w="9525">
+                <a:solidFill>
+                  <a:schemeClr val="tx1"/>
+                </a:solidFill>
+                <a:miter lim="800000"/>
+                <a:headEnd/>
+                <a:tailEnd/>
+              </a14:hiddenLine>
+            </a:ext>
+            <a:ext uri="{AF507438-7753-43E0-B8FC-AC1667EBCBE1}">
+              <a14:hiddenEffects xmlns:a14="http://schemas.microsoft.com/office/drawing/2010/main">
+                <a:effectLst>
+                  <a:outerShdw dist="35921" dir="2700000" algn="ctr" rotWithShape="0">
+                    <a:schemeClr val="bg2"/>
+                  </a:outerShdw>
+                </a:effectLst>
+              </a14:hiddenEffects>
+            </a:ext>
+          </a:extLst>
         </p:spPr>
         <p:txBody>
-          <a:bodyPr anchor="ctr">
-            <a:normAutofit/>
+          <a:bodyPr vert="horz" wrap="none" lIns="91440" tIns="45720" rIns="91440" bIns="45720" numCol="1" anchor="ctr" anchorCtr="0" compatLnSpc="1">
+            <a:prstTxWarp prst="textNoShape">
+              <a:avLst/>
+            </a:prstTxWarp>
+            <a:spAutoFit/>
           </a:bodyPr>
           <a:lstStyle/>
           <a:p>
-            <a:r>
-              <a:rPr lang="en-US" sz="2100" dirty="0"/>
-              <a:t>Source: Hong Kong Observatory (HKO).</a:t>
-            </a:r>
-          </a:p>
-          <a:p>
-            <a:pPr marL="457200" lvl="1" indent="0">
+            <a:pPr marL="0" marR="0" lvl="0" indent="0" algn="l" defTabSz="914400" rtl="0" eaLnBrk="0" fontAlgn="base" latinLnBrk="0" hangingPunct="0">
+              <a:lnSpc>
+                <a:spcPct val="100000"/>
+              </a:lnSpc>
+              <a:spcBef>
+                <a:spcPct val="0"/>
+              </a:spcBef>
+              <a:spcAft>
+                <a:spcPct val="0"/>
+              </a:spcAft>
+              <a:buClrTx/>
+              <a:buSzTx/>
+              <a:buFontTx/>
+              <a:buChar char="•"/>
+              <a:tabLst/>
+            </a:pPr>
+            <a:r>
+              <a:rPr kumimoji="0" lang="zh-HK" altLang="zh-HK" sz="1800" b="0" i="0" u="none" strike="noStrike" cap="none" normalizeH="0" baseline="0" dirty="0">
+                <a:ln>
+                  <a:noFill/>
+                </a:ln>
+                <a:solidFill>
+                  <a:schemeClr val="tx1"/>
+                </a:solidFill>
+                <a:effectLst/>
+                <a:latin typeface="Arial" panose="020B0604020202020204" pitchFamily="34" charset="0"/>
+              </a:rPr>
+              <a:t>Source: </a:t>
+            </a:r>
+            <a:r>
+              <a:rPr kumimoji="0" lang="zh-HK" altLang="zh-HK" sz="1800" b="1" i="0" u="none" strike="noStrike" cap="none" normalizeH="0" baseline="0" dirty="0">
+                <a:ln>
+                  <a:noFill/>
+                </a:ln>
+                <a:solidFill>
+                  <a:schemeClr val="tx1"/>
+                </a:solidFill>
+                <a:effectLst/>
+                <a:latin typeface="Arial" panose="020B0604020202020204" pitchFamily="34" charset="0"/>
+              </a:rPr>
+              <a:t>Hong Kong Observatory (HKO)</a:t>
+            </a:r>
+            <a:endParaRPr kumimoji="0" lang="zh-HK" altLang="zh-HK" sz="1800" b="0" i="0" u="none" strike="noStrike" cap="none" normalizeH="0" baseline="0" dirty="0">
+              <a:ln>
+                <a:noFill/>
+              </a:ln>
+              <a:solidFill>
+                <a:schemeClr val="tx1"/>
+              </a:solidFill>
+              <a:effectLst/>
+              <a:latin typeface="Arial" panose="020B0604020202020204" pitchFamily="34" charset="0"/>
+            </a:endParaRPr>
+          </a:p>
+          <a:p>
+            <a:pPr marL="0" marR="0" lvl="0" indent="0" algn="l" defTabSz="914400" rtl="0" eaLnBrk="0" fontAlgn="base" latinLnBrk="0" hangingPunct="0">
+              <a:lnSpc>
+                <a:spcPct val="100000"/>
+              </a:lnSpc>
+              <a:spcBef>
+                <a:spcPct val="0"/>
+              </a:spcBef>
+              <a:spcAft>
+                <a:spcPct val="0"/>
+              </a:spcAft>
+              <a:buClrTx/>
+              <a:buSzTx/>
+              <a:buFontTx/>
+              <a:buChar char="•"/>
+              <a:tabLst/>
+            </a:pPr>
+            <a:r>
+              <a:rPr kumimoji="0" lang="zh-HK" altLang="zh-HK" sz="1800" b="0" i="0" u="none" strike="noStrike" cap="none" normalizeH="0" baseline="0" dirty="0">
+                <a:ln>
+                  <a:noFill/>
+                </a:ln>
+                <a:solidFill>
+                  <a:schemeClr val="tx1"/>
+                </a:solidFill>
+                <a:effectLst/>
+                <a:latin typeface="Arial" panose="020B0604020202020204" pitchFamily="34" charset="0"/>
+              </a:rPr>
+              <a:t>Data range: </a:t>
+            </a:r>
+            <a:r>
+              <a:rPr kumimoji="0" lang="zh-HK" altLang="zh-HK" sz="1800" b="1" i="0" u="none" strike="noStrike" cap="none" normalizeH="0" baseline="0" dirty="0">
+                <a:ln>
+                  <a:noFill/>
+                </a:ln>
+                <a:solidFill>
+                  <a:schemeClr val="tx1"/>
+                </a:solidFill>
+                <a:effectLst/>
+                <a:latin typeface="Arial" panose="020B0604020202020204" pitchFamily="34" charset="0"/>
+              </a:rPr>
+              <a:t>1980–2025</a:t>
+            </a:r>
+            <a:endParaRPr kumimoji="0" lang="zh-HK" altLang="zh-HK" sz="1800" b="0" i="0" u="none" strike="noStrike" cap="none" normalizeH="0" baseline="0" dirty="0">
+              <a:ln>
+                <a:noFill/>
+              </a:ln>
+              <a:solidFill>
+                <a:schemeClr val="tx1"/>
+              </a:solidFill>
+              <a:effectLst/>
+              <a:latin typeface="Arial" panose="020B0604020202020204" pitchFamily="34" charset="0"/>
+            </a:endParaRPr>
+          </a:p>
+          <a:p>
+            <a:pPr marL="0" marR="0" lvl="0" indent="0" algn="l" defTabSz="914400" rtl="0" eaLnBrk="0" fontAlgn="base" latinLnBrk="0" hangingPunct="0">
+              <a:lnSpc>
+                <a:spcPct val="100000"/>
+              </a:lnSpc>
+              <a:spcBef>
+                <a:spcPct val="0"/>
+              </a:spcBef>
+              <a:spcAft>
+                <a:spcPct val="0"/>
+              </a:spcAft>
+              <a:buClrTx/>
+              <a:buSzTx/>
+              <a:buFontTx/>
+              <a:buChar char="•"/>
+              <a:tabLst/>
+            </a:pPr>
+            <a:r>
+              <a:rPr kumimoji="0" lang="zh-HK" altLang="zh-HK" sz="1800" b="0" i="0" u="none" strike="noStrike" cap="none" normalizeH="0" baseline="0" dirty="0">
+                <a:ln>
+                  <a:noFill/>
+                </a:ln>
+                <a:solidFill>
+                  <a:schemeClr val="tx1"/>
+                </a:solidFill>
+                <a:effectLst/>
+                <a:latin typeface="Arial" panose="020B0604020202020204" pitchFamily="34" charset="0"/>
+              </a:rPr>
+              <a:t>Training: </a:t>
+            </a:r>
+            <a:r>
+              <a:rPr kumimoji="0" lang="zh-HK" altLang="zh-HK" sz="1800" b="1" i="0" u="none" strike="noStrike" cap="none" normalizeH="0" baseline="0" dirty="0">
+                <a:ln>
+                  <a:noFill/>
+                </a:ln>
+                <a:solidFill>
+                  <a:schemeClr val="tx1"/>
+                </a:solidFill>
+                <a:effectLst/>
+                <a:latin typeface="Arial" panose="020B0604020202020204" pitchFamily="34" charset="0"/>
+              </a:rPr>
+              <a:t>1980–2024</a:t>
+            </a:r>
+            <a:endParaRPr kumimoji="0" lang="zh-HK" altLang="zh-HK" sz="1800" b="0" i="0" u="none" strike="noStrike" cap="none" normalizeH="0" baseline="0" dirty="0">
+              <a:ln>
+                <a:noFill/>
+              </a:ln>
+              <a:solidFill>
+                <a:schemeClr val="tx1"/>
+              </a:solidFill>
+              <a:effectLst/>
+              <a:latin typeface="Arial" panose="020B0604020202020204" pitchFamily="34" charset="0"/>
+            </a:endParaRPr>
+          </a:p>
+          <a:p>
+            <a:pPr marL="0" marR="0" lvl="0" indent="0" algn="l" defTabSz="914400" rtl="0" eaLnBrk="0" fontAlgn="base" latinLnBrk="0" hangingPunct="0">
+              <a:lnSpc>
+                <a:spcPct val="100000"/>
+              </a:lnSpc>
+              <a:spcBef>
+                <a:spcPct val="0"/>
+              </a:spcBef>
+              <a:spcAft>
+                <a:spcPct val="0"/>
+              </a:spcAft>
+              <a:buClrTx/>
+              <a:buSzTx/>
+              <a:buFontTx/>
+              <a:buChar char="•"/>
+              <a:tabLst/>
+            </a:pPr>
+            <a:r>
+              <a:rPr kumimoji="0" lang="zh-HK" altLang="zh-HK" sz="1800" b="0" i="0" u="none" strike="noStrike" cap="none" normalizeH="0" baseline="0" dirty="0">
+                <a:ln>
+                  <a:noFill/>
+                </a:ln>
+                <a:solidFill>
+                  <a:schemeClr val="tx1"/>
+                </a:solidFill>
+                <a:effectLst/>
+                <a:latin typeface="Arial" panose="020B0604020202020204" pitchFamily="34" charset="0"/>
+              </a:rPr>
+              <a:t>Testing: </a:t>
+            </a:r>
+            <a:r>
+              <a:rPr kumimoji="0" lang="zh-HK" altLang="zh-HK" sz="1800" b="1" i="0" u="none" strike="noStrike" cap="none" normalizeH="0" baseline="0" dirty="0">
+                <a:ln>
+                  <a:noFill/>
+                </a:ln>
+                <a:solidFill>
+                  <a:schemeClr val="tx1"/>
+                </a:solidFill>
+                <a:effectLst/>
+                <a:latin typeface="Arial" panose="020B0604020202020204" pitchFamily="34" charset="0"/>
+              </a:rPr>
+              <a:t>Jan–Oct 2025</a:t>
+            </a:r>
+            <a:endParaRPr kumimoji="0" lang="en-US" altLang="zh-HK" sz="1800" b="1" i="0" u="none" strike="noStrike" cap="none" normalizeH="0" baseline="0" dirty="0">
+              <a:ln>
+                <a:noFill/>
+              </a:ln>
+              <a:solidFill>
+                <a:schemeClr val="tx1"/>
+              </a:solidFill>
+              <a:effectLst/>
+              <a:latin typeface="Arial" panose="020B0604020202020204" pitchFamily="34" charset="0"/>
+            </a:endParaRPr>
+          </a:p>
+          <a:p>
+            <a:pPr marL="0" marR="0" lvl="0" indent="0" algn="l" defTabSz="914400" rtl="0" eaLnBrk="0" fontAlgn="base" latinLnBrk="0" hangingPunct="0">
+              <a:lnSpc>
+                <a:spcPct val="100000"/>
+              </a:lnSpc>
+              <a:spcBef>
+                <a:spcPct val="0"/>
+              </a:spcBef>
+              <a:spcAft>
+                <a:spcPct val="0"/>
+              </a:spcAft>
+              <a:buClrTx/>
+              <a:buSzTx/>
+              <a:buFontTx/>
+              <a:buChar char="•"/>
+              <a:tabLst/>
+            </a:pPr>
+            <a:endParaRPr kumimoji="0" lang="zh-HK" altLang="zh-HK" sz="1800" b="0" i="0" u="none" strike="noStrike" cap="none" normalizeH="0" baseline="0" dirty="0">
+              <a:ln>
+                <a:noFill/>
+              </a:ln>
+              <a:solidFill>
+                <a:schemeClr val="tx1"/>
+              </a:solidFill>
+              <a:effectLst/>
+              <a:latin typeface="Arial" panose="020B0604020202020204" pitchFamily="34" charset="0"/>
+            </a:endParaRPr>
+          </a:p>
+          <a:p>
+            <a:pPr marL="0" marR="0" lvl="0" indent="0" algn="l" defTabSz="914400" rtl="0" eaLnBrk="0" fontAlgn="base" latinLnBrk="0" hangingPunct="0">
+              <a:lnSpc>
+                <a:spcPct val="100000"/>
+              </a:lnSpc>
+              <a:spcBef>
+                <a:spcPct val="0"/>
+              </a:spcBef>
+              <a:spcAft>
+                <a:spcPct val="0"/>
+              </a:spcAft>
+              <a:buClrTx/>
+              <a:buSzTx/>
+              <a:buFontTx/>
+              <a:buChar char="•"/>
+              <a:tabLst/>
+            </a:pPr>
+            <a:r>
+              <a:rPr kumimoji="0" lang="zh-HK" altLang="zh-HK" sz="1800" b="0" i="0" u="none" strike="noStrike" cap="none" normalizeH="0" baseline="0" dirty="0">
+                <a:ln>
+                  <a:noFill/>
+                </a:ln>
+                <a:solidFill>
+                  <a:schemeClr val="tx1"/>
+                </a:solidFill>
+                <a:effectLst/>
+                <a:latin typeface="Arial" panose="020B0604020202020204" pitchFamily="34" charset="0"/>
+              </a:rPr>
+              <a:t>Features:</a:t>
+            </a:r>
+          </a:p>
+          <a:p>
+            <a:pPr marL="0" marR="0" lvl="0" indent="0" algn="l" defTabSz="914400" rtl="0" eaLnBrk="0" fontAlgn="base" latinLnBrk="0" hangingPunct="0">
+              <a:lnSpc>
+                <a:spcPct val="100000"/>
+              </a:lnSpc>
+              <a:spcBef>
+                <a:spcPct val="0"/>
+              </a:spcBef>
+              <a:spcAft>
+                <a:spcPct val="0"/>
+              </a:spcAft>
+              <a:buClrTx/>
+              <a:buSzTx/>
               <a:buNone/>
+              <a:tabLst/>
             </a:pPr>
             <a:r>
-              <a:rPr lang="en-US" sz="2100" dirty="0"/>
-              <a:t>Daily grass minimum temperature from 1980–2025.</a:t>
-            </a:r>
-          </a:p>
-          <a:p>
-            <a:pPr marL="457200" lvl="1" indent="0">
+              <a:rPr lang="en-US" altLang="zh-HK" sz="1800" dirty="0">
+                <a:latin typeface="Arial" panose="020B0604020202020204" pitchFamily="34" charset="0"/>
+              </a:rPr>
+              <a:t> </a:t>
+            </a:r>
+            <a:r>
+              <a:rPr kumimoji="0" lang="zh-HK" altLang="zh-HK" sz="1800" b="0" i="0" u="none" strike="noStrike" cap="none" normalizeH="0" baseline="0" dirty="0">
+                <a:ln>
+                  <a:noFill/>
+                </a:ln>
+                <a:solidFill>
+                  <a:schemeClr val="tx1"/>
+                </a:solidFill>
+                <a:effectLst/>
+                <a:latin typeface="Arial" panose="020B0604020202020204" pitchFamily="34" charset="0"/>
+              </a:rPr>
+              <a:t>Date</a:t>
+            </a:r>
+          </a:p>
+          <a:p>
+            <a:pPr marL="0" marR="0" lvl="0" indent="0" algn="l" defTabSz="914400" rtl="0" eaLnBrk="0" fontAlgn="base" latinLnBrk="0" hangingPunct="0">
+              <a:lnSpc>
+                <a:spcPct val="100000"/>
+              </a:lnSpc>
+              <a:spcBef>
+                <a:spcPct val="0"/>
+              </a:spcBef>
+              <a:spcAft>
+                <a:spcPct val="0"/>
+              </a:spcAft>
+              <a:buClrTx/>
+              <a:buSzTx/>
               <a:buNone/>
+              <a:tabLst/>
             </a:pPr>
             <a:r>
-              <a:rPr lang="en-US" sz="2100" dirty="0"/>
-              <a:t>Training: 1980–2024; Testing: Jan–Oct 2025.</a:t>
-            </a:r>
-          </a:p>
-          <a:p>
-            <a:pPr marL="457200" lvl="1" indent="0">
+              <a:rPr kumimoji="0" lang="en-US" altLang="zh-HK" sz="1800" b="0" i="0" u="none" strike="noStrike" cap="none" normalizeH="0" baseline="0" dirty="0">
+                <a:ln>
+                  <a:noFill/>
+                </a:ln>
+                <a:solidFill>
+                  <a:schemeClr val="tx1"/>
+                </a:solidFill>
+                <a:effectLst/>
+                <a:latin typeface="Arial" panose="020B0604020202020204" pitchFamily="34" charset="0"/>
+              </a:rPr>
+              <a:t> </a:t>
+            </a:r>
+            <a:r>
+              <a:rPr kumimoji="0" lang="zh-HK" altLang="zh-HK" sz="1800" b="0" i="0" u="none" strike="noStrike" cap="none" normalizeH="0" baseline="0" dirty="0">
+                <a:ln>
+                  <a:noFill/>
+                </a:ln>
+                <a:solidFill>
+                  <a:schemeClr val="tx1"/>
+                </a:solidFill>
+                <a:effectLst/>
+                <a:latin typeface="Arial" panose="020B0604020202020204" pitchFamily="34" charset="0"/>
+              </a:rPr>
+              <a:t>Grass Minimum Temperature (°C)</a:t>
+            </a:r>
+            <a:endParaRPr kumimoji="0" lang="en-US" altLang="zh-HK" sz="1800" b="0" i="0" u="none" strike="noStrike" cap="none" normalizeH="0" baseline="0" dirty="0">
+              <a:ln>
+                <a:noFill/>
+              </a:ln>
+              <a:solidFill>
+                <a:schemeClr val="tx1"/>
+              </a:solidFill>
+              <a:effectLst/>
+              <a:latin typeface="Arial" panose="020B0604020202020204" pitchFamily="34" charset="0"/>
+            </a:endParaRPr>
+          </a:p>
+          <a:p>
+            <a:pPr marL="0" marR="0" lvl="0" indent="0" algn="l" defTabSz="914400" rtl="0" eaLnBrk="0" fontAlgn="base" latinLnBrk="0" hangingPunct="0">
+              <a:lnSpc>
+                <a:spcPct val="100000"/>
+              </a:lnSpc>
+              <a:spcBef>
+                <a:spcPct val="0"/>
+              </a:spcBef>
+              <a:spcAft>
+                <a:spcPct val="0"/>
+              </a:spcAft>
+              <a:buClrTx/>
+              <a:buSzTx/>
               <a:buNone/>
+              <a:tabLst/>
             </a:pPr>
-            <a:r>
-              <a:rPr lang="en-US" sz="2100" dirty="0"/>
-              <a:t>Data exhibits strong seasonality and smooth transitions.</a:t>
-            </a:r>
+            <a:endParaRPr kumimoji="0" lang="zh-HK" altLang="zh-HK" sz="1800" b="0" i="0" u="none" strike="noStrike" cap="none" normalizeH="0" baseline="0" dirty="0">
+              <a:ln>
+                <a:noFill/>
+              </a:ln>
+              <a:solidFill>
+                <a:schemeClr val="tx1"/>
+              </a:solidFill>
+              <a:effectLst/>
+              <a:latin typeface="Arial" panose="020B0604020202020204" pitchFamily="34" charset="0"/>
+            </a:endParaRPr>
+          </a:p>
+          <a:p>
+            <a:pPr marL="0" marR="0" lvl="0" indent="0" algn="l" defTabSz="914400" rtl="0" eaLnBrk="0" fontAlgn="base" latinLnBrk="0" hangingPunct="0">
+              <a:lnSpc>
+                <a:spcPct val="100000"/>
+              </a:lnSpc>
+              <a:spcBef>
+                <a:spcPct val="0"/>
+              </a:spcBef>
+              <a:spcAft>
+                <a:spcPct val="0"/>
+              </a:spcAft>
+              <a:buClrTx/>
+              <a:buSzTx/>
+              <a:buFontTx/>
+              <a:buChar char="•"/>
+              <a:tabLst/>
+            </a:pPr>
+            <a:r>
+              <a:rPr kumimoji="0" lang="zh-HK" altLang="zh-HK" sz="1800" b="0" i="0" u="none" strike="noStrike" cap="none" normalizeH="0" baseline="0" dirty="0">
+                <a:ln>
+                  <a:noFill/>
+                </a:ln>
+                <a:solidFill>
+                  <a:schemeClr val="tx1"/>
+                </a:solidFill>
+                <a:effectLst/>
+                <a:latin typeface="Arial" panose="020B0604020202020204" pitchFamily="34" charset="0"/>
+              </a:rPr>
+              <a:t>Characteristics:</a:t>
+            </a:r>
+          </a:p>
+          <a:p>
+            <a:pPr marL="0" marR="0" lvl="0" indent="0" algn="l" defTabSz="914400" rtl="0" eaLnBrk="0" fontAlgn="base" latinLnBrk="0" hangingPunct="0">
+              <a:lnSpc>
+                <a:spcPct val="100000"/>
+              </a:lnSpc>
+              <a:spcBef>
+                <a:spcPct val="0"/>
+              </a:spcBef>
+              <a:spcAft>
+                <a:spcPct val="0"/>
+              </a:spcAft>
+              <a:buClrTx/>
+              <a:buSzTx/>
+              <a:buFontTx/>
+              <a:buChar char="•"/>
+              <a:tabLst/>
+            </a:pPr>
+            <a:r>
+              <a:rPr kumimoji="0" lang="zh-HK" altLang="zh-HK" sz="1800" b="0" i="0" u="none" strike="noStrike" cap="none" normalizeH="0" baseline="0" dirty="0">
+                <a:ln>
+                  <a:noFill/>
+                </a:ln>
+                <a:solidFill>
+                  <a:schemeClr val="tx1"/>
+                </a:solidFill>
+                <a:effectLst/>
+                <a:latin typeface="Arial" panose="020B0604020202020204" pitchFamily="34" charset="0"/>
+              </a:rPr>
+              <a:t>Strong seasonality</a:t>
+            </a:r>
+          </a:p>
+          <a:p>
+            <a:pPr marL="0" marR="0" lvl="0" indent="0" algn="l" defTabSz="914400" rtl="0" eaLnBrk="0" fontAlgn="base" latinLnBrk="0" hangingPunct="0">
+              <a:lnSpc>
+                <a:spcPct val="100000"/>
+              </a:lnSpc>
+              <a:spcBef>
+                <a:spcPct val="0"/>
+              </a:spcBef>
+              <a:spcAft>
+                <a:spcPct val="0"/>
+              </a:spcAft>
+              <a:buClrTx/>
+              <a:buSzTx/>
+              <a:buFontTx/>
+              <a:buChar char="•"/>
+              <a:tabLst/>
+            </a:pPr>
+            <a:r>
+              <a:rPr kumimoji="0" lang="zh-HK" altLang="zh-HK" sz="1800" b="0" i="0" u="none" strike="noStrike" cap="none" normalizeH="0" baseline="0" dirty="0">
+                <a:ln>
+                  <a:noFill/>
+                </a:ln>
+                <a:solidFill>
+                  <a:schemeClr val="tx1"/>
+                </a:solidFill>
+                <a:effectLst/>
+                <a:latin typeface="Arial" panose="020B0604020202020204" pitchFamily="34" charset="0"/>
+              </a:rPr>
+              <a:t>Smooth daily transitions</a:t>
+            </a:r>
+          </a:p>
+          <a:p>
+            <a:pPr marL="0" marR="0" lvl="0" indent="0" algn="l" defTabSz="914400" rtl="0" eaLnBrk="0" fontAlgn="base" latinLnBrk="0" hangingPunct="0">
+              <a:lnSpc>
+                <a:spcPct val="100000"/>
+              </a:lnSpc>
+              <a:spcBef>
+                <a:spcPct val="0"/>
+              </a:spcBef>
+              <a:spcAft>
+                <a:spcPct val="0"/>
+              </a:spcAft>
+              <a:buClrTx/>
+              <a:buSzTx/>
+              <a:buFontTx/>
+              <a:buChar char="•"/>
+              <a:tabLst/>
+            </a:pPr>
+            <a:r>
+              <a:rPr kumimoji="0" lang="zh-HK" altLang="zh-HK" sz="1800" b="0" i="0" u="none" strike="noStrike" cap="none" normalizeH="0" baseline="0" dirty="0">
+                <a:ln>
+                  <a:noFill/>
+                </a:ln>
+                <a:solidFill>
+                  <a:schemeClr val="tx1"/>
+                </a:solidFill>
+                <a:effectLst/>
+                <a:latin typeface="Arial" panose="020B0604020202020204" pitchFamily="34" charset="0"/>
+              </a:rPr>
+              <a:t>Occasional sudden temperature drops</a:t>
+            </a:r>
+          </a:p>
+          <a:p>
+            <a:pPr marL="0" marR="0" lvl="0" indent="0" algn="l" defTabSz="914400" rtl="0" eaLnBrk="0" fontAlgn="base" latinLnBrk="0" hangingPunct="0">
+              <a:lnSpc>
+                <a:spcPct val="100000"/>
+              </a:lnSpc>
+              <a:spcBef>
+                <a:spcPct val="0"/>
+              </a:spcBef>
+              <a:spcAft>
+                <a:spcPct val="0"/>
+              </a:spcAft>
+              <a:buClrTx/>
+              <a:buSzTx/>
+              <a:buFontTx/>
+              <a:buNone/>
+              <a:tabLst/>
+            </a:pPr>
+            <a:endParaRPr kumimoji="0" lang="zh-HK" altLang="zh-HK" sz="1800" b="0" i="0" u="none" strike="noStrike" cap="none" normalizeH="0" baseline="0" dirty="0">
+              <a:ln>
+                <a:noFill/>
+              </a:ln>
+              <a:solidFill>
+                <a:schemeClr val="tx1"/>
+              </a:solidFill>
+              <a:effectLst/>
+              <a:latin typeface="Arial" panose="020B0604020202020204" pitchFamily="34" charset="0"/>
+            </a:endParaRPr>
           </a:p>
         </p:txBody>
       </p:sp>
@@ -6606,56 +8790,249 @@
       </p:sp>
       <p:sp>
         <p:nvSpPr>
-          <p:cNvPr id="3" name="Content Placeholder 2"/>
-          <p:cNvSpPr>
-            <a:spLocks noGrp="1"/>
+          <p:cNvPr id="4" name="Rectangle 1">
+            <a:extLst>
+              <a:ext uri="{FF2B5EF4-FFF2-40B4-BE49-F238E27FC236}">
+                <a16:creationId xmlns:a16="http://schemas.microsoft.com/office/drawing/2014/main" id="{A6504651-495D-1601-2C10-2B81CBA849F8}"/>
+              </a:ext>
+            </a:extLst>
+          </p:cNvPr>
+          <p:cNvSpPr>
+            <a:spLocks noGrp="1" noChangeArrowheads="1"/>
           </p:cNvSpPr>
           <p:nvPr>
             <p:ph idx="1"/>
           </p:nvPr>
         </p:nvSpPr>
-        <p:spPr>
+        <p:spPr bwMode="auto">
           <a:xfrm>
-            <a:off x="966978" y="2902913"/>
-            <a:ext cx="7387313" cy="3032168"/>
+            <a:off x="966788" y="2903538"/>
+            <a:ext cx="7388225" cy="3032125"/>
           </a:xfrm>
+          <a:prstGeom prst="rect">
+            <a:avLst/>
+          </a:prstGeom>
+          <a:noFill/>
+          <a:ln>
+            <a:noFill/>
+          </a:ln>
+          <a:effectLst/>
+          <a:extLst>
+            <a:ext uri="{909E8E84-426E-40DD-AFC4-6F175D3DCCD1}">
+              <a14:hiddenFill xmlns:a14="http://schemas.microsoft.com/office/drawing/2010/main">
+                <a:solidFill>
+                  <a:schemeClr val="accent1"/>
+                </a:solidFill>
+              </a14:hiddenFill>
+            </a:ext>
+            <a:ext uri="{91240B29-F687-4F45-9708-019B960494DF}">
+              <a14:hiddenLine xmlns:a14="http://schemas.microsoft.com/office/drawing/2010/main" w="9525">
+                <a:solidFill>
+                  <a:schemeClr val="tx1"/>
+                </a:solidFill>
+                <a:miter lim="800000"/>
+                <a:headEnd/>
+                <a:tailEnd/>
+              </a14:hiddenLine>
+            </a:ext>
+            <a:ext uri="{AF507438-7753-43E0-B8FC-AC1667EBCBE1}">
+              <a14:hiddenEffects xmlns:a14="http://schemas.microsoft.com/office/drawing/2010/main">
+                <a:effectLst>
+                  <a:outerShdw dist="35921" dir="2700000" algn="ctr" rotWithShape="0">
+                    <a:schemeClr val="bg2"/>
+                  </a:outerShdw>
+                </a:effectLst>
+              </a14:hiddenEffects>
+            </a:ext>
+          </a:extLst>
         </p:spPr>
         <p:txBody>
-          <a:bodyPr anchor="ctr">
-            <a:normAutofit/>
+          <a:bodyPr vert="horz" wrap="none" lIns="91440" tIns="45720" rIns="91440" bIns="45720" numCol="1" anchor="ctr" anchorCtr="0" compatLnSpc="1">
+            <a:prstTxWarp prst="textNoShape">
+              <a:avLst/>
+            </a:prstTxWarp>
+            <a:spAutoFit/>
           </a:bodyPr>
           <a:lstStyle/>
           <a:p>
-            <a:r>
-              <a:rPr lang="en-US" sz="1700" dirty="0"/>
-              <a:t>Datetime conversion and cleaning.</a:t>
-            </a:r>
-          </a:p>
-          <a:p>
-            <a:r>
-              <a:rPr lang="en-US" sz="1700" dirty="0"/>
-              <a:t>Missing-value interpolation.</a:t>
-            </a:r>
-          </a:p>
-          <a:p>
-            <a:r>
-              <a:rPr lang="en-US" sz="1700" dirty="0"/>
+            <a:pPr marL="0" marR="0" lvl="0" indent="0" algn="l" defTabSz="914400" rtl="0" eaLnBrk="0" fontAlgn="base" latinLnBrk="0" hangingPunct="0">
+              <a:lnSpc>
+                <a:spcPct val="100000"/>
+              </a:lnSpc>
+              <a:spcBef>
+                <a:spcPct val="0"/>
+              </a:spcBef>
+              <a:spcAft>
+                <a:spcPct val="0"/>
+              </a:spcAft>
+              <a:buClrTx/>
+              <a:buSzTx/>
+              <a:buFontTx/>
+              <a:buChar char="•"/>
+              <a:tabLst/>
+            </a:pPr>
+            <a:r>
+              <a:rPr kumimoji="0" lang="zh-HK" altLang="zh-HK" sz="1800" b="0" i="0" u="none" strike="noStrike" cap="none" normalizeH="0" baseline="0">
+                <a:ln>
+                  <a:noFill/>
+                </a:ln>
+                <a:solidFill>
+                  <a:schemeClr val="tx1"/>
+                </a:solidFill>
+                <a:effectLst/>
+                <a:latin typeface="Arial" panose="020B0604020202020204" pitchFamily="34" charset="0"/>
+              </a:rPr>
+              <a:t>Datetime conversion &amp; sorting</a:t>
+            </a:r>
+          </a:p>
+          <a:p>
+            <a:pPr marL="0" marR="0" lvl="0" indent="0" algn="l" defTabSz="914400" rtl="0" eaLnBrk="0" fontAlgn="base" latinLnBrk="0" hangingPunct="0">
+              <a:lnSpc>
+                <a:spcPct val="100000"/>
+              </a:lnSpc>
+              <a:spcBef>
+                <a:spcPct val="0"/>
+              </a:spcBef>
+              <a:spcAft>
+                <a:spcPct val="0"/>
+              </a:spcAft>
+              <a:buClrTx/>
+              <a:buSzTx/>
+              <a:buFontTx/>
+              <a:buChar char="•"/>
+              <a:tabLst/>
+            </a:pPr>
+            <a:r>
+              <a:rPr kumimoji="0" lang="zh-HK" altLang="zh-HK" sz="1800" b="0" i="0" u="none" strike="noStrike" cap="none" normalizeH="0" baseline="0">
+                <a:ln>
+                  <a:noFill/>
+                </a:ln>
+                <a:solidFill>
+                  <a:schemeClr val="tx1"/>
+                </a:solidFill>
+                <a:effectLst/>
+                <a:latin typeface="Arial" panose="020B0604020202020204" pitchFamily="34" charset="0"/>
+              </a:rPr>
+              <a:t>Handling missing values with </a:t>
+            </a:r>
+            <a:r>
+              <a:rPr kumimoji="0" lang="zh-HK" altLang="zh-HK" sz="1800" b="1" i="0" u="none" strike="noStrike" cap="none" normalizeH="0" baseline="0">
+                <a:ln>
+                  <a:noFill/>
+                </a:ln>
+                <a:solidFill>
+                  <a:schemeClr val="tx1"/>
+                </a:solidFill>
+                <a:effectLst/>
+                <a:latin typeface="Arial" panose="020B0604020202020204" pitchFamily="34" charset="0"/>
+              </a:rPr>
+              <a:t>time-series interpolation</a:t>
+            </a:r>
+            <a:endParaRPr kumimoji="0" lang="zh-HK" altLang="zh-HK" sz="1800" b="0" i="0" u="none" strike="noStrike" cap="none" normalizeH="0" baseline="0">
+              <a:ln>
+                <a:noFill/>
+              </a:ln>
+              <a:solidFill>
+                <a:schemeClr val="tx1"/>
+              </a:solidFill>
+              <a:effectLst/>
+              <a:latin typeface="Arial" panose="020B0604020202020204" pitchFamily="34" charset="0"/>
+            </a:endParaRPr>
+          </a:p>
+          <a:p>
+            <a:pPr marL="0" marR="0" lvl="0" indent="0" algn="l" defTabSz="914400" rtl="0" eaLnBrk="0" fontAlgn="base" latinLnBrk="0" hangingPunct="0">
+              <a:lnSpc>
+                <a:spcPct val="100000"/>
+              </a:lnSpc>
+              <a:spcBef>
+                <a:spcPct val="0"/>
+              </a:spcBef>
+              <a:spcAft>
+                <a:spcPct val="0"/>
+              </a:spcAft>
+              <a:buClrTx/>
+              <a:buSzTx/>
+              <a:buFontTx/>
+              <a:buChar char="•"/>
+              <a:tabLst/>
+            </a:pPr>
+            <a:r>
+              <a:rPr kumimoji="0" lang="zh-HK" altLang="zh-HK" sz="1800" b="0" i="0" u="none" strike="noStrike" cap="none" normalizeH="0" baseline="0">
+                <a:ln>
+                  <a:noFill/>
+                </a:ln>
+                <a:solidFill>
+                  <a:schemeClr val="tx1"/>
+                </a:solidFill>
+                <a:effectLst/>
+                <a:latin typeface="Arial" panose="020B0604020202020204" pitchFamily="34" charset="0"/>
+              </a:rPr>
               <a:t>Normalization using </a:t>
             </a:r>
             <a:r>
-              <a:rPr lang="en-US" sz="1700" dirty="0" err="1"/>
-              <a:t>MinMaxScaler</a:t>
-            </a:r>
-            <a:r>
-              <a:rPr lang="en-US" sz="1700" dirty="0"/>
-              <a:t>.</a:t>
-            </a:r>
-          </a:p>
-          <a:p>
-            <a:r>
-              <a:rPr lang="en-US" sz="1700" dirty="0"/>
-              <a:t>45-day sliding window → next-day prediction.</a:t>
-            </a:r>
+              <a:rPr kumimoji="0" lang="zh-HK" altLang="zh-HK" sz="1800" b="1" i="0" u="none" strike="noStrike" cap="none" normalizeH="0" baseline="0">
+                <a:ln>
+                  <a:noFill/>
+                </a:ln>
+                <a:solidFill>
+                  <a:schemeClr val="tx1"/>
+                </a:solidFill>
+                <a:effectLst/>
+                <a:latin typeface="Arial" panose="020B0604020202020204" pitchFamily="34" charset="0"/>
+              </a:rPr>
+              <a:t>MinMaxScaler (0–1)</a:t>
+            </a:r>
+            <a:endParaRPr kumimoji="0" lang="zh-HK" altLang="zh-HK" sz="1800" b="0" i="0" u="none" strike="noStrike" cap="none" normalizeH="0" baseline="0">
+              <a:ln>
+                <a:noFill/>
+              </a:ln>
+              <a:solidFill>
+                <a:schemeClr val="tx1"/>
+              </a:solidFill>
+              <a:effectLst/>
+              <a:latin typeface="Arial" panose="020B0604020202020204" pitchFamily="34" charset="0"/>
+            </a:endParaRPr>
+          </a:p>
+          <a:p>
+            <a:pPr marL="0" marR="0" lvl="0" indent="0" algn="l" defTabSz="914400" rtl="0" eaLnBrk="0" fontAlgn="base" latinLnBrk="0" hangingPunct="0">
+              <a:lnSpc>
+                <a:spcPct val="100000"/>
+              </a:lnSpc>
+              <a:spcBef>
+                <a:spcPct val="0"/>
+              </a:spcBef>
+              <a:spcAft>
+                <a:spcPct val="0"/>
+              </a:spcAft>
+              <a:buClrTx/>
+              <a:buSzTx/>
+              <a:buFontTx/>
+              <a:buChar char="•"/>
+              <a:tabLst/>
+            </a:pPr>
+            <a:r>
+              <a:rPr kumimoji="0" lang="zh-HK" altLang="zh-HK" sz="1800" b="1" i="0" u="none" strike="noStrike" cap="none" normalizeH="0" baseline="0">
+                <a:ln>
+                  <a:noFill/>
+                </a:ln>
+                <a:solidFill>
+                  <a:schemeClr val="tx1"/>
+                </a:solidFill>
+                <a:effectLst/>
+                <a:latin typeface="Arial" panose="020B0604020202020204" pitchFamily="34" charset="0"/>
+              </a:rPr>
+              <a:t>Sliding window: 45 days → next-day prediction</a:t>
+            </a:r>
+            <a:endParaRPr kumimoji="0" lang="zh-HK" altLang="zh-HK" sz="1800" b="0" i="0" u="none" strike="noStrike" cap="none" normalizeH="0" baseline="0">
+              <a:ln>
+                <a:noFill/>
+              </a:ln>
+              <a:solidFill>
+                <a:schemeClr val="tx1"/>
+              </a:solidFill>
+              <a:effectLst/>
+              <a:latin typeface="Arial" panose="020B0604020202020204" pitchFamily="34" charset="0"/>
+            </a:endParaRPr>
           </a:p>
         </p:txBody>
       </p:sp>
@@ -6933,43 +9310,60 @@
         </p:spPr>
         <p:txBody>
           <a:bodyPr anchor="t">
-            <a:normAutofit/>
+            <a:normAutofit lnSpcReduction="10000"/>
           </a:bodyPr>
           <a:lstStyle/>
           <a:p>
             <a:r>
-              <a:rPr lang="en-US" sz="2100" dirty="0" err="1"/>
+              <a:rPr lang="en-US" altLang="zh-HK" sz="2400" b="1" dirty="0"/>
+              <a:t>Simple RNN Model</a:t>
+            </a:r>
+            <a:endParaRPr lang="en-US" altLang="zh-HK" sz="2400" dirty="0"/>
+          </a:p>
+          <a:p>
+            <a:r>
+              <a:rPr lang="en-US" altLang="zh-HK" sz="2400" dirty="0" err="1"/>
               <a:t>SimpleRNN</a:t>
             </a:r>
             <a:r>
-              <a:rPr lang="en-US" sz="2100" dirty="0"/>
-              <a:t> (64 units).</a:t>
-            </a:r>
-          </a:p>
-          <a:p>
-            <a:r>
-              <a:rPr lang="en-US" sz="2100" dirty="0"/>
-              <a:t>Dense (32, </a:t>
-            </a:r>
-            <a:r>
-              <a:rPr lang="en-US" sz="2100" dirty="0" err="1"/>
-              <a:t>ReLU</a:t>
-            </a:r>
-            <a:r>
-              <a:rPr lang="en-US" sz="2100" dirty="0"/>
-              <a:t>).</a:t>
-            </a:r>
-          </a:p>
-          <a:p>
-            <a:r>
-              <a:rPr lang="en-US" sz="2100" dirty="0"/>
-              <a:t>Output: 1 unit.</a:t>
-            </a:r>
-          </a:p>
-          <a:p>
-            <a:r>
-              <a:rPr lang="en-US" sz="2100" dirty="0"/>
-              <a:t>Efficient for smooth, single-variable climate data.</a:t>
+              <a:rPr lang="en-US" altLang="zh-HK" sz="2400" dirty="0"/>
+              <a:t> (100 units, </a:t>
+            </a:r>
+            <a:r>
+              <a:rPr lang="en-US" altLang="zh-HK" sz="2400" dirty="0" err="1"/>
+              <a:t>return_sequences</a:t>
+            </a:r>
+            <a:r>
+              <a:rPr lang="en-US" altLang="zh-HK" sz="2400" dirty="0"/>
+              <a:t>=True)</a:t>
+            </a:r>
+          </a:p>
+          <a:p>
+            <a:r>
+              <a:rPr lang="en-US" altLang="zh-HK" sz="2400" dirty="0" err="1"/>
+              <a:t>SimpleRNN</a:t>
+            </a:r>
+            <a:r>
+              <a:rPr lang="en-US" altLang="zh-HK" sz="2400" dirty="0"/>
+              <a:t> (100 units)</a:t>
+            </a:r>
+          </a:p>
+          <a:p>
+            <a:r>
+              <a:rPr lang="en-US" altLang="zh-HK" sz="2400" dirty="0"/>
+              <a:t>Dense (1)</a:t>
+            </a:r>
+          </a:p>
+          <a:p>
+            <a:r>
+              <a:rPr lang="en-US" altLang="zh-HK" sz="2400" dirty="0"/>
+              <a:t>Optimizer: Adam (0.001)</a:t>
+            </a:r>
+          </a:p>
+          <a:p>
+            <a:r>
+              <a:rPr lang="en-US" altLang="zh-HK" sz="2400" dirty="0"/>
+              <a:t>Loss: MSE</a:t>
             </a:r>
           </a:p>
         </p:txBody>
@@ -7253,24 +9647,47 @@
           <a:lstStyle/>
           <a:p>
             <a:r>
-              <a:rPr lang="en-US" sz="2100" dirty="0"/>
-              <a:t>LSTM (64 units) + Dropout (0.2).</a:t>
-            </a:r>
-          </a:p>
-          <a:p>
-            <a:r>
-              <a:rPr lang="en-US" sz="2100" dirty="0" err="1"/>
-              <a:t>BiLSTM</a:t>
-            </a:r>
-            <a:r>
-              <a:rPr lang="en-US" sz="2100" dirty="0"/>
-              <a:t> (64 units).</a:t>
-            </a:r>
-          </a:p>
-          <a:p>
-            <a:r>
-              <a:rPr lang="en-US" sz="2100" dirty="0"/>
-              <a:t>Both followed by Dense (32) → Output (1).</a:t>
+              <a:rPr lang="en-US" altLang="zh-HK" sz="2400" b="1" dirty="0"/>
+              <a:t>LSTM Architecture</a:t>
+            </a:r>
+            <a:endParaRPr lang="en-US" altLang="zh-HK" sz="2400" dirty="0"/>
+          </a:p>
+          <a:p>
+            <a:r>
+              <a:rPr lang="en-US" altLang="zh-HK" sz="2400" dirty="0"/>
+              <a:t>LSTM (100 units, </a:t>
+            </a:r>
+            <a:r>
+              <a:rPr lang="en-US" altLang="zh-HK" sz="2400" dirty="0" err="1"/>
+              <a:t>return_sequences</a:t>
+            </a:r>
+            <a:r>
+              <a:rPr lang="en-US" altLang="zh-HK" sz="2400" dirty="0"/>
+              <a:t>=True)</a:t>
+            </a:r>
+          </a:p>
+          <a:p>
+            <a:r>
+              <a:rPr lang="en-US" altLang="zh-HK" sz="2400" dirty="0"/>
+              <a:t>Dropout (0.2)</a:t>
+            </a:r>
+          </a:p>
+          <a:p>
+            <a:r>
+              <a:rPr lang="en-US" altLang="zh-HK" sz="2400" dirty="0"/>
+              <a:t>LSTM (100 units)</a:t>
+            </a:r>
+          </a:p>
+          <a:p>
+            <a:r>
+              <a:rPr lang="en-US" altLang="zh-HK" sz="2400" dirty="0"/>
+              <a:t>Dropout (0.2)</a:t>
+            </a:r>
+          </a:p>
+          <a:p>
+            <a:r>
+              <a:rPr lang="en-US" altLang="zh-HK" sz="2400" dirty="0"/>
+              <a:t>Dense (1)</a:t>
             </a:r>
           </a:p>
         </p:txBody>
@@ -7296,7 +9713,13 @@
     </p:bg>
     <p:spTree>
       <p:nvGrpSpPr>
-        <p:cNvPr id="1" name=""/>
+        <p:cNvPr id="1" name="">
+          <a:extLst>
+            <a:ext uri="{FF2B5EF4-FFF2-40B4-BE49-F238E27FC236}">
+              <a16:creationId xmlns:a16="http://schemas.microsoft.com/office/drawing/2014/main" id="{1C59578A-9226-426E-D647-D0AE73A7E17B}"/>
+            </a:ext>
+          </a:extLst>
+        </p:cNvPr>
         <p:cNvGrpSpPr/>
         <p:nvPr/>
       </p:nvGrpSpPr>
@@ -7313,7 +9736,7 @@
           <p:cNvPr id="8" name="Rectangle 7">
             <a:extLst>
               <a:ext uri="{FF2B5EF4-FFF2-40B4-BE49-F238E27FC236}">
-                <a16:creationId xmlns:a16="http://schemas.microsoft.com/office/drawing/2014/main" id="{081EA652-8C6A-4E69-BEB9-170809474553}"/>
+                <a16:creationId xmlns:a16="http://schemas.microsoft.com/office/drawing/2014/main" id="{8CB5B073-2599-CA58-BF3C-47A2AC6C6EE1}"/>
               </a:ext>
               <a:ext uri="{C183D7F6-B498-43B3-948B-1728B52AA6E4}">
                 <adec:decorative xmlns:adec="http://schemas.microsoft.com/office/drawing/2017/decorative" val="1"/>
@@ -7373,7 +9796,7 @@
           <p:cNvPr id="10" name="Right Triangle 9">
             <a:extLst>
               <a:ext uri="{FF2B5EF4-FFF2-40B4-BE49-F238E27FC236}">
-                <a16:creationId xmlns:a16="http://schemas.microsoft.com/office/drawing/2014/main" id="{5298780A-33B9-4EA2-8F67-DE68AD62841B}"/>
+                <a16:creationId xmlns:a16="http://schemas.microsoft.com/office/drawing/2014/main" id="{3561AEDE-B9BA-C45C-55B4-F781F72909C9}"/>
               </a:ext>
               <a:ext uri="{C183D7F6-B498-43B3-948B-1728B52AA6E4}">
                 <adec:decorative xmlns:adec="http://schemas.microsoft.com/office/drawing/2017/decorative" val="1"/>
@@ -7436,7 +9859,7 @@
           <p:cNvPr id="12" name="Rectangle 11">
             <a:extLst>
               <a:ext uri="{FF2B5EF4-FFF2-40B4-BE49-F238E27FC236}">
-                <a16:creationId xmlns:a16="http://schemas.microsoft.com/office/drawing/2014/main" id="{7F488E8B-4E1E-4402-8935-D4E6C02615C7}"/>
+                <a16:creationId xmlns:a16="http://schemas.microsoft.com/office/drawing/2014/main" id="{287254AC-EBBC-ECC7-246E-D74D4D5ADB3D}"/>
               </a:ext>
               <a:ext uri="{C183D7F6-B498-43B3-948B-1728B52AA6E4}">
                 <adec:decorative xmlns:adec="http://schemas.microsoft.com/office/drawing/2017/decorative" val="1"/>
@@ -7499,6 +9922,359 @@
       </p:sp>
       <p:sp>
         <p:nvSpPr>
+          <p:cNvPr id="2" name="Title 1">
+            <a:extLst>
+              <a:ext uri="{FF2B5EF4-FFF2-40B4-BE49-F238E27FC236}">
+                <a16:creationId xmlns:a16="http://schemas.microsoft.com/office/drawing/2014/main" id="{A7505C13-6A03-9D19-67CE-A40562123146}"/>
+              </a:ext>
+            </a:extLst>
+          </p:cNvPr>
+          <p:cNvSpPr>
+            <a:spLocks noGrp="1"/>
+          </p:cNvSpPr>
+          <p:nvPr>
+            <p:ph type="title"/>
+          </p:nvPr>
+        </p:nvSpPr>
+        <p:spPr>
+          <a:xfrm>
+            <a:off x="963930" y="1050595"/>
+            <a:ext cx="6056111" cy="1618489"/>
+          </a:xfrm>
+        </p:spPr>
+        <p:txBody>
+          <a:bodyPr anchor="ctr">
+            <a:normAutofit/>
+          </a:bodyPr>
+          <a:lstStyle/>
+          <a:p>
+            <a:pPr>
+              <a:lnSpc>
+                <a:spcPct val="90000"/>
+              </a:lnSpc>
+            </a:pPr>
+            <a:r>
+              <a:rPr lang="en-US" sz="5400"/>
+              <a:t>Model Overview: LSTM / BiLSTM</a:t>
+            </a:r>
+          </a:p>
+        </p:txBody>
+      </p:sp>
+      <p:sp>
+        <p:nvSpPr>
+          <p:cNvPr id="3" name="Content Placeholder 2">
+            <a:extLst>
+              <a:ext uri="{FF2B5EF4-FFF2-40B4-BE49-F238E27FC236}">
+                <a16:creationId xmlns:a16="http://schemas.microsoft.com/office/drawing/2014/main" id="{420DEC8E-BF12-94A8-15F2-3C0BFCB35C9D}"/>
+              </a:ext>
+            </a:extLst>
+          </p:cNvPr>
+          <p:cNvSpPr>
+            <a:spLocks noGrp="1"/>
+          </p:cNvSpPr>
+          <p:nvPr>
+            <p:ph idx="1"/>
+          </p:nvPr>
+        </p:nvSpPr>
+        <p:spPr>
+          <a:xfrm>
+            <a:off x="963930" y="2969469"/>
+            <a:ext cx="6056111" cy="2800395"/>
+          </a:xfrm>
+        </p:spPr>
+        <p:txBody>
+          <a:bodyPr anchor="t">
+            <a:normAutofit/>
+          </a:bodyPr>
+          <a:lstStyle/>
+          <a:p>
+            <a:r>
+              <a:rPr lang="en-US" altLang="zh-HK" sz="2400" b="1" dirty="0" err="1"/>
+              <a:t>BiLSTM</a:t>
+            </a:r>
+            <a:r>
+              <a:rPr lang="en-US" altLang="zh-HK" sz="2400" b="1" dirty="0"/>
+              <a:t> Architecture</a:t>
+            </a:r>
+            <a:endParaRPr lang="en-US" altLang="zh-HK" sz="2400" dirty="0"/>
+          </a:p>
+          <a:p>
+            <a:r>
+              <a:rPr lang="en-US" altLang="zh-HK" sz="2400" dirty="0" err="1"/>
+              <a:t>BiLSTM</a:t>
+            </a:r>
+            <a:r>
+              <a:rPr lang="en-US" altLang="zh-HK" sz="2400" dirty="0"/>
+              <a:t> (100 units, </a:t>
+            </a:r>
+            <a:r>
+              <a:rPr lang="en-US" altLang="zh-HK" sz="2400" dirty="0" err="1"/>
+              <a:t>return_sequences</a:t>
+            </a:r>
+            <a:r>
+              <a:rPr lang="en-US" altLang="zh-HK" sz="2400" dirty="0"/>
+              <a:t>=True)</a:t>
+            </a:r>
+          </a:p>
+          <a:p>
+            <a:r>
+              <a:rPr lang="en-US" altLang="zh-HK" sz="2400" dirty="0"/>
+              <a:t>Dropout (0.2)</a:t>
+            </a:r>
+          </a:p>
+          <a:p>
+            <a:r>
+              <a:rPr lang="en-US" altLang="zh-HK" sz="2400" dirty="0" err="1"/>
+              <a:t>BiLSTM</a:t>
+            </a:r>
+            <a:r>
+              <a:rPr lang="en-US" altLang="zh-HK" sz="2400" dirty="0"/>
+              <a:t> (100 units)</a:t>
+            </a:r>
+          </a:p>
+          <a:p>
+            <a:r>
+              <a:rPr lang="en-US" altLang="zh-HK" sz="2400" dirty="0"/>
+              <a:t>Dropout (0.2)</a:t>
+            </a:r>
+          </a:p>
+          <a:p>
+            <a:r>
+              <a:rPr lang="en-US" altLang="zh-HK" sz="2400" dirty="0"/>
+              <a:t>Dense (1)</a:t>
+            </a:r>
+          </a:p>
+        </p:txBody>
+      </p:sp>
+    </p:spTree>
+    <p:extLst>
+      <p:ext uri="{BB962C8B-B14F-4D97-AF65-F5344CB8AC3E}">
+        <p14:creationId xmlns:p14="http://schemas.microsoft.com/office/powerpoint/2010/main" val="3552693146"/>
+      </p:ext>
+    </p:extLst>
+  </p:cSld>
+  <p:clrMapOvr>
+    <a:masterClrMapping/>
+  </p:clrMapOvr>
+</p:sld>
+</file>
+
+<file path=ppt/slides/slide9.xml><?xml version="1.0" encoding="utf-8"?>
+<p:sld xmlns:a="http://schemas.openxmlformats.org/drawingml/2006/main" xmlns:r="http://schemas.openxmlformats.org/officeDocument/2006/relationships" xmlns:p="http://schemas.openxmlformats.org/presentationml/2006/main">
+  <p:cSld>
+    <p:bg>
+      <p:bgPr>
+        <a:solidFill>
+          <a:schemeClr val="bg1"/>
+        </a:solidFill>
+        <a:effectLst/>
+      </p:bgPr>
+    </p:bg>
+    <p:spTree>
+      <p:nvGrpSpPr>
+        <p:cNvPr id="1" name=""/>
+        <p:cNvGrpSpPr/>
+        <p:nvPr/>
+      </p:nvGrpSpPr>
+      <p:grpSpPr>
+        <a:xfrm>
+          <a:off x="0" y="0"/>
+          <a:ext cx="0" cy="0"/>
+          <a:chOff x="0" y="0"/>
+          <a:chExt cx="0" cy="0"/>
+        </a:xfrm>
+      </p:grpSpPr>
+      <p:sp useBgFill="1">
+        <p:nvSpPr>
+          <p:cNvPr id="8" name="Rectangle 7">
+            <a:extLst>
+              <a:ext uri="{FF2B5EF4-FFF2-40B4-BE49-F238E27FC236}">
+                <a16:creationId xmlns:a16="http://schemas.microsoft.com/office/drawing/2014/main" id="{081EA652-8C6A-4E69-BEB9-170809474553}"/>
+              </a:ext>
+              <a:ext uri="{C183D7F6-B498-43B3-948B-1728B52AA6E4}">
+                <adec:decorative xmlns:adec="http://schemas.microsoft.com/office/drawing/2017/decorative" val="1"/>
+              </a:ext>
+            </a:extLst>
+          </p:cNvPr>
+          <p:cNvSpPr>
+            <a:spLocks noGrp="1" noRot="1" noChangeAspect="1" noMove="1" noResize="1" noEditPoints="1" noAdjustHandles="1" noChangeArrowheads="1" noChangeShapeType="1" noTextEdit="1"/>
+          </p:cNvSpPr>
+          <p:nvPr>
+            <p:extLst>
+              <p:ext uri="{386F3935-93C4-4BCD-93E2-E3B085C9AB24}">
+                <p16:designElem xmlns:p16="http://schemas.microsoft.com/office/powerpoint/2015/main" val="1"/>
+              </p:ext>
+            </p:extLst>
+          </p:nvPr>
+        </p:nvSpPr>
+        <p:spPr>
+          <a:xfrm>
+            <a:off x="0" y="0"/>
+            <a:ext cx="9144000" cy="6858000"/>
+          </a:xfrm>
+          <a:prstGeom prst="rect">
+            <a:avLst/>
+          </a:prstGeom>
+          <a:ln>
+            <a:noFill/>
+          </a:ln>
+        </p:spPr>
+        <p:style>
+          <a:lnRef idx="2">
+            <a:schemeClr val="accent1">
+              <a:shade val="50000"/>
+            </a:schemeClr>
+          </a:lnRef>
+          <a:fillRef idx="1">
+            <a:schemeClr val="accent1"/>
+          </a:fillRef>
+          <a:effectRef idx="0">
+            <a:schemeClr val="accent1"/>
+          </a:effectRef>
+          <a:fontRef idx="minor">
+            <a:schemeClr val="lt1"/>
+          </a:fontRef>
+        </p:style>
+        <p:txBody>
+          <a:bodyPr rtlCol="0" anchor="ctr"/>
+          <a:lstStyle/>
+          <a:p>
+            <a:pPr algn="ctr"/>
+            <a:endParaRPr lang="en-US"/>
+          </a:p>
+        </p:txBody>
+      </p:sp>
+      <p:sp>
+        <p:nvSpPr>
+          <p:cNvPr id="10" name="Right Triangle 9">
+            <a:extLst>
+              <a:ext uri="{FF2B5EF4-FFF2-40B4-BE49-F238E27FC236}">
+                <a16:creationId xmlns:a16="http://schemas.microsoft.com/office/drawing/2014/main" id="{5298780A-33B9-4EA2-8F67-DE68AD62841B}"/>
+              </a:ext>
+              <a:ext uri="{C183D7F6-B498-43B3-948B-1728B52AA6E4}">
+                <adec:decorative xmlns:adec="http://schemas.microsoft.com/office/drawing/2017/decorative" val="1"/>
+              </a:ext>
+            </a:extLst>
+          </p:cNvPr>
+          <p:cNvSpPr>
+            <a:spLocks noGrp="1" noRot="1" noChangeAspect="1" noMove="1" noResize="1" noEditPoints="1" noAdjustHandles="1" noChangeArrowheads="1" noChangeShapeType="1" noTextEdit="1"/>
+          </p:cNvSpPr>
+          <p:nvPr>
+            <p:extLst>
+              <p:ext uri="{386F3935-93C4-4BCD-93E2-E3B085C9AB24}">
+                <p16:designElem xmlns:p16="http://schemas.microsoft.com/office/powerpoint/2015/main" val="1"/>
+              </p:ext>
+            </p:extLst>
+          </p:nvPr>
+        </p:nvSpPr>
+        <p:spPr>
+          <a:xfrm flipH="1">
+            <a:off x="6432540" y="3335867"/>
+            <a:ext cx="2468880" cy="3200400"/>
+          </a:xfrm>
+          <a:prstGeom prst="rtTriangle">
+            <a:avLst/>
+          </a:prstGeom>
+          <a:solidFill>
+            <a:schemeClr val="accent4"/>
+          </a:solidFill>
+          <a:ln>
+            <a:noFill/>
+          </a:ln>
+        </p:spPr>
+        <p:style>
+          <a:lnRef idx="2">
+            <a:schemeClr val="accent1">
+              <a:shade val="50000"/>
+            </a:schemeClr>
+          </a:lnRef>
+          <a:fillRef idx="1">
+            <a:schemeClr val="accent1"/>
+          </a:fillRef>
+          <a:effectRef idx="0">
+            <a:schemeClr val="accent1"/>
+          </a:effectRef>
+          <a:fontRef idx="minor">
+            <a:schemeClr val="lt1"/>
+          </a:fontRef>
+        </p:style>
+        <p:txBody>
+          <a:bodyPr rtlCol="0" anchor="ctr"/>
+          <a:lstStyle/>
+          <a:p>
+            <a:pPr algn="ctr"/>
+            <a:endParaRPr lang="en-US" dirty="0"/>
+          </a:p>
+        </p:txBody>
+      </p:sp>
+      <p:sp>
+        <p:nvSpPr>
+          <p:cNvPr id="12" name="Rectangle 11">
+            <a:extLst>
+              <a:ext uri="{FF2B5EF4-FFF2-40B4-BE49-F238E27FC236}">
+                <a16:creationId xmlns:a16="http://schemas.microsoft.com/office/drawing/2014/main" id="{7F488E8B-4E1E-4402-8935-D4E6C02615C7}"/>
+              </a:ext>
+              <a:ext uri="{C183D7F6-B498-43B3-948B-1728B52AA6E4}">
+                <adec:decorative xmlns:adec="http://schemas.microsoft.com/office/drawing/2017/decorative" val="1"/>
+              </a:ext>
+            </a:extLst>
+          </p:cNvPr>
+          <p:cNvSpPr>
+            <a:spLocks noGrp="1" noRot="1" noChangeAspect="1" noMove="1" noResize="1" noEditPoints="1" noAdjustHandles="1" noChangeArrowheads="1" noChangeShapeType="1" noTextEdit="1"/>
+          </p:cNvSpPr>
+          <p:nvPr>
+            <p:extLst>
+              <p:ext uri="{386F3935-93C4-4BCD-93E2-E3B085C9AB24}">
+                <p16:designElem xmlns:p16="http://schemas.microsoft.com/office/powerpoint/2015/main" val="1"/>
+              </p:ext>
+            </p:extLst>
+          </p:nvPr>
+        </p:nvSpPr>
+        <p:spPr>
+          <a:xfrm>
+            <a:off x="481330" y="623275"/>
+            <a:ext cx="8178790" cy="5607882"/>
+          </a:xfrm>
+          <a:prstGeom prst="rect">
+            <a:avLst/>
+          </a:prstGeom>
+          <a:noFill/>
+          <a:ln w="19050">
+            <a:solidFill>
+              <a:schemeClr val="tx1">
+                <a:lumMod val="75000"/>
+                <a:lumOff val="25000"/>
+              </a:schemeClr>
+            </a:solidFill>
+          </a:ln>
+        </p:spPr>
+        <p:style>
+          <a:lnRef idx="2">
+            <a:schemeClr val="accent1">
+              <a:shade val="50000"/>
+            </a:schemeClr>
+          </a:lnRef>
+          <a:fillRef idx="1">
+            <a:schemeClr val="accent1"/>
+          </a:fillRef>
+          <a:effectRef idx="0">
+            <a:schemeClr val="accent1"/>
+          </a:effectRef>
+          <a:fontRef idx="minor">
+            <a:schemeClr val="lt1"/>
+          </a:fontRef>
+        </p:style>
+        <p:txBody>
+          <a:bodyPr rtlCol="0" anchor="ctr"/>
+          <a:lstStyle/>
+          <a:p>
+            <a:pPr algn="ctr"/>
+            <a:endParaRPr lang="en-US"/>
+          </a:p>
+        </p:txBody>
+      </p:sp>
+      <p:sp>
+        <p:nvSpPr>
           <p:cNvPr id="2" name="Title 1"/>
           <p:cNvSpPr>
             <a:spLocks noGrp="1"/>
@@ -7584,465 +10360,423 @@
       </p:cxnSp>
       <p:sp>
         <p:nvSpPr>
-          <p:cNvPr id="3" name="Content Placeholder 2"/>
-          <p:cNvSpPr>
-            <a:spLocks noGrp="1"/>
-          </p:cNvSpPr>
-          <p:nvPr>
-            <p:ph idx="1"/>
-          </p:nvPr>
-        </p:nvSpPr>
-        <p:spPr>
-          <a:xfrm>
-            <a:off x="3941445" y="1648870"/>
-            <a:ext cx="3527136" cy="3560260"/>
-          </a:xfrm>
-        </p:spPr>
-        <p:txBody>
-          <a:bodyPr anchor="ctr">
-            <a:normAutofit/>
-          </a:bodyPr>
-          <a:lstStyle/>
-          <a:p>
-            <a:pPr marL="0" indent="0">
-              <a:buNone/>
-            </a:pPr>
-            <a:r>
-              <a:rPr lang="en-US" sz="2100" dirty="0"/>
-              <a:t>Optimizer: Adam (0.001).</a:t>
-            </a:r>
-          </a:p>
-          <a:p>
-            <a:pPr marL="457200" lvl="1" indent="0">
-              <a:buNone/>
-            </a:pPr>
-            <a:r>
-              <a:rPr lang="en-US" sz="2100" dirty="0"/>
-              <a:t>Loss: MSE.</a:t>
-            </a:r>
-          </a:p>
-          <a:p>
-            <a:pPr marL="457200" lvl="1" indent="0">
-              <a:buNone/>
-            </a:pPr>
-            <a:r>
-              <a:rPr lang="en-US" sz="2100" dirty="0"/>
-              <a:t>Epochs: 80; Batch size: 32.</a:t>
-            </a:r>
-          </a:p>
-          <a:p>
-            <a:pPr marL="457200" lvl="1" indent="0">
-              <a:buNone/>
-            </a:pPr>
-            <a:r>
-              <a:rPr lang="en-US" sz="2100" dirty="0"/>
-              <a:t>Validation split: 10%.</a:t>
-            </a:r>
-          </a:p>
-        </p:txBody>
-      </p:sp>
-    </p:spTree>
-  </p:cSld>
-  <p:clrMapOvr>
-    <a:masterClrMapping/>
-  </p:clrMapOvr>
-</p:sld>
-</file>
-
-<file path=ppt/slides/slide9.xml><?xml version="1.0" encoding="utf-8"?>
-<p:sld xmlns:a="http://schemas.openxmlformats.org/drawingml/2006/main" xmlns:r="http://schemas.openxmlformats.org/officeDocument/2006/relationships" xmlns:p="http://schemas.openxmlformats.org/presentationml/2006/main">
-  <p:cSld>
-    <p:bg>
-      <p:bgPr>
-        <a:solidFill>
-          <a:schemeClr val="bg1"/>
-        </a:solidFill>
-        <a:effectLst/>
-      </p:bgPr>
-    </p:bg>
-    <p:spTree>
-      <p:nvGrpSpPr>
-        <p:cNvPr id="1" name=""/>
-        <p:cNvGrpSpPr/>
-        <p:nvPr/>
-      </p:nvGrpSpPr>
-      <p:grpSpPr>
-        <a:xfrm>
-          <a:off x="0" y="0"/>
-          <a:ext cx="0" cy="0"/>
-          <a:chOff x="0" y="0"/>
-          <a:chExt cx="0" cy="0"/>
-        </a:xfrm>
-      </p:grpSpPr>
-      <p:sp useBgFill="1">
-        <p:nvSpPr>
-          <p:cNvPr id="16" name="Rectangle 7">
+          <p:cNvPr id="5" name="Rectangle 2">
             <a:extLst>
               <a:ext uri="{FF2B5EF4-FFF2-40B4-BE49-F238E27FC236}">
-                <a16:creationId xmlns:a16="http://schemas.microsoft.com/office/drawing/2014/main" id="{3AD318CC-E2A8-4E27-9548-A047A78999B1}"/>
-              </a:ext>
-              <a:ext uri="{C183D7F6-B498-43B3-948B-1728B52AA6E4}">
-                <adec:decorative xmlns:adec="http://schemas.microsoft.com/office/drawing/2017/decorative" val="1"/>
+                <a16:creationId xmlns:a16="http://schemas.microsoft.com/office/drawing/2014/main" id="{6DECE948-4FF6-0BF2-075D-C98ECB6B85F7}"/>
               </a:ext>
             </a:extLst>
           </p:cNvPr>
           <p:cNvSpPr>
-            <a:spLocks noGrp="1" noRot="1" noChangeAspect="1" noMove="1" noResize="1" noEditPoints="1" noAdjustHandles="1" noChangeArrowheads="1" noChangeShapeType="1" noTextEdit="1"/>
-          </p:cNvSpPr>
-          <p:nvPr>
-            <p:extLst>
-              <p:ext uri="{386F3935-93C4-4BCD-93E2-E3B085C9AB24}">
-                <p16:designElem xmlns:p16="http://schemas.microsoft.com/office/powerpoint/2015/main" val="1"/>
-              </p:ext>
-            </p:extLst>
-          </p:nvPr>
-        </p:nvSpPr>
-        <p:spPr>
+            <a:spLocks noGrp="1" noChangeArrowheads="1"/>
+          </p:cNvSpPr>
+          <p:nvPr>
+            <p:ph idx="1"/>
+          </p:nvPr>
+        </p:nvSpPr>
+        <p:spPr bwMode="auto">
           <a:xfrm>
-            <a:off x="0" y="0"/>
-            <a:ext cx="9143999" cy="6857365"/>
+            <a:off x="3941763" y="2413338"/>
+            <a:ext cx="4073551" cy="2031325"/>
           </a:xfrm>
           <a:prstGeom prst="rect">
             <a:avLst/>
           </a:prstGeom>
+          <a:noFill/>
           <a:ln>
             <a:noFill/>
           </a:ln>
+          <a:effectLst/>
+          <a:extLst>
+            <a:ext uri="{909E8E84-426E-40DD-AFC4-6F175D3DCCD1}">
+              <a14:hiddenFill xmlns:a14="http://schemas.microsoft.com/office/drawing/2010/main">
+                <a:solidFill>
+                  <a:schemeClr val="accent1"/>
+                </a:solidFill>
+              </a14:hiddenFill>
+            </a:ext>
+            <a:ext uri="{91240B29-F687-4F45-9708-019B960494DF}">
+              <a14:hiddenLine xmlns:a14="http://schemas.microsoft.com/office/drawing/2010/main" w="9525">
+                <a:solidFill>
+                  <a:schemeClr val="tx1"/>
+                </a:solidFill>
+                <a:miter lim="800000"/>
+                <a:headEnd/>
+                <a:tailEnd/>
+              </a14:hiddenLine>
+            </a:ext>
+            <a:ext uri="{AF507438-7753-43E0-B8FC-AC1667EBCBE1}">
+              <a14:hiddenEffects xmlns:a14="http://schemas.microsoft.com/office/drawing/2010/main">
+                <a:effectLst>
+                  <a:outerShdw dist="35921" dir="2700000" algn="ctr" rotWithShape="0">
+                    <a:schemeClr val="bg2"/>
+                  </a:outerShdw>
+                </a:effectLst>
+              </a14:hiddenEffects>
+            </a:ext>
+          </a:extLst>
         </p:spPr>
-        <p:style>
-          <a:lnRef idx="2">
-            <a:schemeClr val="accent1">
-              <a:shade val="50000"/>
-            </a:schemeClr>
-          </a:lnRef>
-          <a:fillRef idx="1">
-            <a:schemeClr val="accent1"/>
-          </a:fillRef>
-          <a:effectRef idx="0">
-            <a:schemeClr val="accent1"/>
-          </a:effectRef>
-          <a:fontRef idx="minor">
-            <a:schemeClr val="lt1"/>
-          </a:fontRef>
-        </p:style>
-        <p:txBody>
-          <a:bodyPr rtlCol="0" anchor="ctr"/>
-          <a:lstStyle/>
-          <a:p>
-            <a:pPr algn="ctr"/>
-            <a:endParaRPr lang="en-US"/>
-          </a:p>
-        </p:txBody>
-      </p:sp>
-      <p:sp>
-        <p:nvSpPr>
-          <p:cNvPr id="2" name="Title 1"/>
-          <p:cNvSpPr>
-            <a:spLocks noGrp="1"/>
-          </p:cNvSpPr>
-          <p:nvPr>
-            <p:ph type="title"/>
-          </p:nvPr>
-        </p:nvSpPr>
-        <p:spPr>
-          <a:xfrm>
-            <a:off x="483798" y="1463040"/>
-            <a:ext cx="2847230" cy="2690949"/>
-          </a:xfrm>
-        </p:spPr>
-        <p:txBody>
-          <a:bodyPr anchor="t">
-            <a:normAutofit/>
+        <p:txBody>
+          <a:bodyPr vert="horz" wrap="none" lIns="91440" tIns="45720" rIns="91440" bIns="45720" numCol="1" anchor="ctr" anchorCtr="0" compatLnSpc="1">
+            <a:prstTxWarp prst="textNoShape">
+              <a:avLst/>
+            </a:prstTxWarp>
+            <a:spAutoFit/>
           </a:bodyPr>
           <a:lstStyle/>
           <a:p>
-            <a:r>
-              <a:rPr lang="en-US" sz="4200"/>
-              <a:t>Results Summary</a:t>
-            </a:r>
-          </a:p>
-        </p:txBody>
-      </p:sp>
-      <p:grpSp>
-        <p:nvGrpSpPr>
-          <p:cNvPr id="17" name="Group 9">
-            <a:extLst>
-              <a:ext uri="{FF2B5EF4-FFF2-40B4-BE49-F238E27FC236}">
-                <a16:creationId xmlns:a16="http://schemas.microsoft.com/office/drawing/2014/main" id="{B14B560F-9DD7-4302-A60B-EBD3EF59B073}"/>
-              </a:ext>
-              <a:ext uri="{C183D7F6-B498-43B3-948B-1728B52AA6E4}">
-                <adec:decorative xmlns:adec="http://schemas.microsoft.com/office/drawing/2017/decorative" val="1"/>
-              </a:ext>
-            </a:extLst>
-          </p:cNvPr>
-          <p:cNvGrpSpPr>
-            <a:grpSpLocks noGrp="1" noUngrp="1" noRot="1" noChangeAspect="1" noMove="1" noResize="1"/>
-          </p:cNvGrpSpPr>
-          <p:nvPr>
-            <p:extLst>
-              <p:ext uri="{386F3935-93C4-4BCD-93E2-E3B085C9AB24}">
-                <p16:designElem xmlns:p16="http://schemas.microsoft.com/office/powerpoint/2015/main" val="1"/>
-              </p:ext>
-            </p:extLst>
-          </p:nvPr>
-        </p:nvGrpSpPr>
-        <p:grpSpPr>
-          <a:xfrm>
-            <a:off x="157250" y="4415246"/>
-            <a:ext cx="8986749" cy="2087795"/>
-            <a:chOff x="143163" y="5763486"/>
-            <a:chExt cx="11982332" cy="739555"/>
-          </a:xfrm>
-        </p:grpSpPr>
-        <p:sp>
-          <p:nvSpPr>
-            <p:cNvPr id="11" name="Rectangle 10">
-              <a:extLst>
-                <a:ext uri="{FF2B5EF4-FFF2-40B4-BE49-F238E27FC236}">
-                  <a16:creationId xmlns:a16="http://schemas.microsoft.com/office/drawing/2014/main" id="{3A9A4357-BD1D-4622-A4FE-766E6AB8DE84}"/>
-                </a:ext>
-                <a:ext uri="{C183D7F6-B498-43B3-948B-1728B52AA6E4}">
-                  <adec:decorative xmlns:adec="http://schemas.microsoft.com/office/drawing/2017/decorative" val="1"/>
-                </a:ext>
-              </a:extLst>
-            </p:cNvPr>
-            <p:cNvSpPr/>
-            <p:nvPr>
-              <p:extLst>
-                <p:ext uri="{386F3935-93C4-4BCD-93E2-E3B085C9AB24}">
-                  <p16:designElem xmlns:p16="http://schemas.microsoft.com/office/powerpoint/2015/main" val="1"/>
-                </p:ext>
-              </p:extLst>
-            </p:nvPr>
-          </p:nvSpPr>
-          <p:spPr>
-            <a:xfrm flipH="1" flipV="1">
-              <a:off x="357444" y="5763486"/>
-              <a:ext cx="11768051" cy="739555"/>
-            </a:xfrm>
-            <a:prstGeom prst="rect">
-              <a:avLst/>
-            </a:prstGeom>
-            <a:solidFill>
-              <a:schemeClr val="accent4"/>
-            </a:solidFill>
-            <a:ln>
-              <a:noFill/>
-            </a:ln>
-          </p:spPr>
-          <p:style>
-            <a:lnRef idx="2">
-              <a:schemeClr val="accent1">
-                <a:shade val="50000"/>
-              </a:schemeClr>
-            </a:lnRef>
-            <a:fillRef idx="1">
-              <a:schemeClr val="accent1"/>
-            </a:fillRef>
-            <a:effectRef idx="0">
-              <a:schemeClr val="accent1"/>
-            </a:effectRef>
-            <a:fontRef idx="minor">
-              <a:schemeClr val="lt1"/>
-            </a:fontRef>
-          </p:style>
-          <p:txBody>
-            <a:bodyPr rtlCol="0" anchor="ctr"/>
-            <a:lstStyle/>
-            <a:p>
-              <a:pPr algn="ctr"/>
-              <a:endParaRPr lang="en-US"/>
-            </a:p>
-          </p:txBody>
-        </p:sp>
-        <p:cxnSp>
-          <p:nvCxnSpPr>
-            <p:cNvPr id="18" name="Straight Connector 11">
-              <a:extLst>
-                <a:ext uri="{FF2B5EF4-FFF2-40B4-BE49-F238E27FC236}">
-                  <a16:creationId xmlns:a16="http://schemas.microsoft.com/office/drawing/2014/main" id="{C21D6966-343E-49AC-A026-D2497E0C3CA1}"/>
-                </a:ext>
-                <a:ext uri="{C183D7F6-B498-43B3-948B-1728B52AA6E4}">
-                  <adec:decorative xmlns:adec="http://schemas.microsoft.com/office/drawing/2017/decorative" val="1"/>
-                </a:ext>
-              </a:extLst>
-            </p:cNvPr>
-            <p:cNvCxnSpPr>
-              <a:cxnSpLocks/>
-            </p:cNvCxnSpPr>
-            <p:nvPr>
-              <p:extLst>
-                <p:ext uri="{386F3935-93C4-4BCD-93E2-E3B085C9AB24}">
-                  <p16:designElem xmlns:p16="http://schemas.microsoft.com/office/powerpoint/2015/main" val="1"/>
-                </p:ext>
-              </p:extLst>
-            </p:nvPr>
-          </p:nvCxnSpPr>
-          <p:spPr>
-            <a:xfrm flipH="1">
-              <a:off x="143163" y="5763486"/>
-              <a:ext cx="1" cy="739555"/>
-            </a:xfrm>
-            <a:prstGeom prst="line">
-              <a:avLst/>
-            </a:prstGeom>
-            <a:ln w="177800">
+            <a:pPr marL="0" marR="0" lvl="0" indent="0" algn="l" defTabSz="914400" rtl="0" eaLnBrk="0" fontAlgn="base" latinLnBrk="0" hangingPunct="0">
+              <a:lnSpc>
+                <a:spcPct val="100000"/>
+              </a:lnSpc>
+              <a:spcBef>
+                <a:spcPct val="0"/>
+              </a:spcBef>
+              <a:spcAft>
+                <a:spcPct val="0"/>
+              </a:spcAft>
+              <a:buClrTx/>
+              <a:buSzTx/>
+              <a:buFontTx/>
+              <a:buChar char="•"/>
+              <a:tabLst/>
+            </a:pPr>
+            <a:r>
+              <a:rPr kumimoji="0" lang="zh-HK" altLang="zh-HK" sz="1800" b="0" i="0" u="none" strike="noStrike" cap="none" normalizeH="0" baseline="0" dirty="0">
+                <a:ln>
+                  <a:noFill/>
+                </a:ln>
+                <a:solidFill>
+                  <a:schemeClr val="tx1"/>
+                </a:solidFill>
+                <a:effectLst/>
+                <a:latin typeface="Arial" panose="020B0604020202020204" pitchFamily="34" charset="0"/>
+              </a:rPr>
+              <a:t>Epochs: </a:t>
+            </a:r>
+            <a:r>
+              <a:rPr kumimoji="0" lang="zh-HK" altLang="zh-HK" sz="1800" b="1" i="0" u="none" strike="noStrike" cap="none" normalizeH="0" baseline="0" dirty="0">
+                <a:ln>
+                  <a:noFill/>
+                </a:ln>
+                <a:solidFill>
+                  <a:schemeClr val="tx1"/>
+                </a:solidFill>
+                <a:effectLst/>
+                <a:latin typeface="Arial" panose="020B0604020202020204" pitchFamily="34" charset="0"/>
+              </a:rPr>
+              <a:t>80</a:t>
+            </a:r>
+            <a:endParaRPr kumimoji="0" lang="zh-HK" altLang="zh-HK" sz="1800" b="0" i="0" u="none" strike="noStrike" cap="none" normalizeH="0" baseline="0" dirty="0">
+              <a:ln>
+                <a:noFill/>
+              </a:ln>
               <a:solidFill>
-                <a:schemeClr val="accent4"/>
+                <a:schemeClr val="tx1"/>
               </a:solidFill>
-            </a:ln>
-          </p:spPr>
-          <p:style>
-            <a:lnRef idx="1">
-              <a:schemeClr val="accent1"/>
-            </a:lnRef>
-            <a:fillRef idx="0">
-              <a:schemeClr val="accent1"/>
-            </a:fillRef>
-            <a:effectRef idx="0">
-              <a:schemeClr val="accent1"/>
-            </a:effectRef>
-            <a:fontRef idx="minor">
-              <a:schemeClr val="tx1"/>
-            </a:fontRef>
-          </p:style>
-        </p:cxnSp>
-      </p:grpSp>
-      <p:sp>
-        <p:nvSpPr>
-          <p:cNvPr id="19" name="Rectangle 13">
-            <a:extLst>
-              <a:ext uri="{FF2B5EF4-FFF2-40B4-BE49-F238E27FC236}">
-                <a16:creationId xmlns:a16="http://schemas.microsoft.com/office/drawing/2014/main" id="{2C1BBA94-3F40-40AA-8BB9-E69E25E537C1}"/>
-              </a:ext>
-              <a:ext uri="{C183D7F6-B498-43B3-948B-1728B52AA6E4}">
-                <adec:decorative xmlns:adec="http://schemas.microsoft.com/office/drawing/2017/decorative" val="1"/>
-              </a:ext>
-            </a:extLst>
-          </p:cNvPr>
-          <p:cNvSpPr>
-            <a:spLocks noGrp="1" noRot="1" noChangeAspect="1" noMove="1" noResize="1" noEditPoints="1" noAdjustHandles="1" noChangeArrowheads="1" noChangeShapeType="1" noTextEdit="1"/>
-          </p:cNvSpPr>
-          <p:nvPr>
-            <p:extLst>
-              <p:ext uri="{386F3935-93C4-4BCD-93E2-E3B085C9AB24}">
-                <p16:designElem xmlns:p16="http://schemas.microsoft.com/office/powerpoint/2015/main" val="1"/>
-              </p:ext>
-            </p:extLst>
-          </p:nvPr>
-        </p:nvSpPr>
-        <p:spPr>
-          <a:xfrm>
-            <a:off x="3850279" y="587829"/>
-            <a:ext cx="4878975" cy="5682342"/>
-          </a:xfrm>
-          <a:prstGeom prst="rect">
-            <a:avLst/>
-          </a:prstGeom>
-          <a:solidFill>
-            <a:schemeClr val="bg1"/>
-          </a:solidFill>
-          <a:ln>
-            <a:noFill/>
-          </a:ln>
-          <a:effectLst>
-            <a:outerShdw blurRad="139700" dist="127000" dir="5400000" algn="t" rotWithShape="0">
-              <a:prstClr val="black">
-                <a:alpha val="15000"/>
-              </a:prstClr>
-            </a:outerShdw>
-          </a:effectLst>
-        </p:spPr>
-        <p:style>
-          <a:lnRef idx="2">
-            <a:schemeClr val="accent1">
-              <a:shade val="50000"/>
-            </a:schemeClr>
-          </a:lnRef>
-          <a:fillRef idx="1">
-            <a:schemeClr val="accent1"/>
-          </a:fillRef>
-          <a:effectRef idx="0">
-            <a:schemeClr val="accent1"/>
-          </a:effectRef>
-          <a:fontRef idx="minor">
-            <a:schemeClr val="lt1"/>
-          </a:fontRef>
-        </p:style>
-        <p:txBody>
-          <a:bodyPr rtlCol="0" anchor="ctr"/>
-          <a:lstStyle/>
-          <a:p>
-            <a:pPr algn="ctr"/>
-            <a:endParaRPr lang="en-US"/>
-          </a:p>
-        </p:txBody>
-      </p:sp>
-      <p:sp>
-        <p:nvSpPr>
-          <p:cNvPr id="3" name="Content Placeholder 2"/>
-          <p:cNvSpPr>
-            <a:spLocks noGrp="1"/>
-          </p:cNvSpPr>
-          <p:nvPr>
-            <p:ph idx="1"/>
-          </p:nvPr>
-        </p:nvSpPr>
-        <p:spPr>
-          <a:xfrm>
-            <a:off x="4242163" y="1463039"/>
-            <a:ext cx="4156790" cy="4300447"/>
-          </a:xfrm>
-        </p:spPr>
-        <p:txBody>
-          <a:bodyPr anchor="t">
-            <a:normAutofit/>
-          </a:bodyPr>
-          <a:lstStyle/>
-          <a:p>
-            <a:pPr marL="0" indent="0">
-              <a:buNone/>
+              <a:effectLst/>
+              <a:latin typeface="Arial" panose="020B0604020202020204" pitchFamily="34" charset="0"/>
+            </a:endParaRPr>
+          </a:p>
+          <a:p>
+            <a:pPr marL="0" marR="0" lvl="0" indent="0" algn="l" defTabSz="914400" rtl="0" eaLnBrk="0" fontAlgn="base" latinLnBrk="0" hangingPunct="0">
+              <a:lnSpc>
+                <a:spcPct val="100000"/>
+              </a:lnSpc>
+              <a:spcBef>
+                <a:spcPct val="0"/>
+              </a:spcBef>
+              <a:spcAft>
+                <a:spcPct val="0"/>
+              </a:spcAft>
+              <a:buClrTx/>
+              <a:buSzTx/>
+              <a:buFontTx/>
+              <a:buChar char="•"/>
+              <a:tabLst/>
             </a:pPr>
             <a:r>
-              <a:rPr lang="en-US" sz="1900" dirty="0"/>
-              <a:t>RNN — MAE: 0.9539, RMSE: 1.3089.</a:t>
-            </a:r>
-          </a:p>
-          <a:p>
-            <a:pPr marL="0" indent="0">
-              <a:buNone/>
+              <a:rPr kumimoji="0" lang="zh-HK" altLang="zh-HK" sz="1800" b="0" i="0" u="none" strike="noStrike" cap="none" normalizeH="0" baseline="0" dirty="0">
+                <a:ln>
+                  <a:noFill/>
+                </a:ln>
+                <a:solidFill>
+                  <a:schemeClr val="tx1"/>
+                </a:solidFill>
+                <a:effectLst/>
+                <a:latin typeface="Arial" panose="020B0604020202020204" pitchFamily="34" charset="0"/>
+              </a:rPr>
+              <a:t>Batch size: </a:t>
+            </a:r>
+            <a:r>
+              <a:rPr kumimoji="0" lang="zh-HK" altLang="zh-HK" sz="1800" b="1" i="0" u="none" strike="noStrike" cap="none" normalizeH="0" baseline="0" dirty="0">
+                <a:ln>
+                  <a:noFill/>
+                </a:ln>
+                <a:solidFill>
+                  <a:schemeClr val="tx1"/>
+                </a:solidFill>
+                <a:effectLst/>
+                <a:latin typeface="Arial" panose="020B0604020202020204" pitchFamily="34" charset="0"/>
+              </a:rPr>
+              <a:t>32</a:t>
+            </a:r>
+            <a:endParaRPr kumimoji="0" lang="zh-HK" altLang="zh-HK" sz="1800" b="0" i="0" u="none" strike="noStrike" cap="none" normalizeH="0" baseline="0" dirty="0">
+              <a:ln>
+                <a:noFill/>
+              </a:ln>
+              <a:solidFill>
+                <a:schemeClr val="tx1"/>
+              </a:solidFill>
+              <a:effectLst/>
+              <a:latin typeface="Arial" panose="020B0604020202020204" pitchFamily="34" charset="0"/>
+            </a:endParaRPr>
+          </a:p>
+          <a:p>
+            <a:pPr marL="0" marR="0" lvl="0" indent="0" algn="l" defTabSz="914400" rtl="0" eaLnBrk="0" fontAlgn="base" latinLnBrk="0" hangingPunct="0">
+              <a:lnSpc>
+                <a:spcPct val="100000"/>
+              </a:lnSpc>
+              <a:spcBef>
+                <a:spcPct val="0"/>
+              </a:spcBef>
+              <a:spcAft>
+                <a:spcPct val="0"/>
+              </a:spcAft>
+              <a:buClrTx/>
+              <a:buSzTx/>
+              <a:buFontTx/>
+              <a:buChar char="•"/>
+              <a:tabLst/>
             </a:pPr>
             <a:r>
-              <a:rPr lang="en-US" sz="1900" dirty="0"/>
-              <a:t>LSTM — MAE: 1.9091, RMSE: 2.1487.</a:t>
-            </a:r>
-          </a:p>
-          <a:p>
-            <a:pPr marL="0" indent="0">
-              <a:buNone/>
+              <a:rPr kumimoji="0" lang="zh-HK" altLang="zh-HK" sz="1800" b="0" i="0" u="none" strike="noStrike" cap="none" normalizeH="0" baseline="0" dirty="0">
+                <a:ln>
+                  <a:noFill/>
+                </a:ln>
+                <a:solidFill>
+                  <a:schemeClr val="tx1"/>
+                </a:solidFill>
+                <a:effectLst/>
+                <a:latin typeface="Arial" panose="020B0604020202020204" pitchFamily="34" charset="0"/>
+              </a:rPr>
+              <a:t>Validation split: </a:t>
+            </a:r>
+            <a:r>
+              <a:rPr kumimoji="0" lang="zh-HK" altLang="zh-HK" sz="1800" b="1" i="0" u="none" strike="noStrike" cap="none" normalizeH="0" baseline="0" dirty="0">
+                <a:ln>
+                  <a:noFill/>
+                </a:ln>
+                <a:solidFill>
+                  <a:schemeClr val="tx1"/>
+                </a:solidFill>
+                <a:effectLst/>
+                <a:latin typeface="Arial" panose="020B0604020202020204" pitchFamily="34" charset="0"/>
+              </a:rPr>
+              <a:t>10%</a:t>
+            </a:r>
+            <a:endParaRPr kumimoji="0" lang="zh-HK" altLang="zh-HK" sz="1800" b="0" i="0" u="none" strike="noStrike" cap="none" normalizeH="0" baseline="0" dirty="0">
+              <a:ln>
+                <a:noFill/>
+              </a:ln>
+              <a:solidFill>
+                <a:schemeClr val="tx1"/>
+              </a:solidFill>
+              <a:effectLst/>
+              <a:latin typeface="Arial" panose="020B0604020202020204" pitchFamily="34" charset="0"/>
+            </a:endParaRPr>
+          </a:p>
+          <a:p>
+            <a:pPr marL="0" marR="0" lvl="0" indent="0" algn="l" defTabSz="914400" rtl="0" eaLnBrk="0" fontAlgn="base" latinLnBrk="0" hangingPunct="0">
+              <a:lnSpc>
+                <a:spcPct val="100000"/>
+              </a:lnSpc>
+              <a:spcBef>
+                <a:spcPct val="0"/>
+              </a:spcBef>
+              <a:spcAft>
+                <a:spcPct val="0"/>
+              </a:spcAft>
+              <a:buClrTx/>
+              <a:buSzTx/>
+              <a:buFontTx/>
+              <a:buChar char="•"/>
+              <a:tabLst/>
             </a:pPr>
             <a:r>
-              <a:rPr lang="en-US" sz="1900" dirty="0" err="1"/>
-              <a:t>BiLSTM</a:t>
-            </a:r>
-            <a:r>
-              <a:rPr lang="en-US" sz="1900" dirty="0"/>
-              <a:t> — MAE: 1.0022, RMSE: 1.2943.</a:t>
-            </a:r>
-          </a:p>
-          <a:p>
-            <a:pPr marL="0" indent="0">
-              <a:buNone/>
+              <a:rPr kumimoji="0" lang="zh-HK" altLang="zh-HK" sz="1800" b="0" i="0" u="none" strike="noStrike" cap="none" normalizeH="0" baseline="0" dirty="0">
+                <a:ln>
+                  <a:noFill/>
+                </a:ln>
+                <a:solidFill>
+                  <a:schemeClr val="tx1"/>
+                </a:solidFill>
+                <a:effectLst/>
+                <a:latin typeface="Arial" panose="020B0604020202020204" pitchFamily="34" charset="0"/>
+              </a:rPr>
+              <a:t>Optimizer: </a:t>
+            </a:r>
+            <a:r>
+              <a:rPr kumimoji="0" lang="zh-HK" altLang="zh-HK" sz="1800" b="1" i="0" u="none" strike="noStrike" cap="none" normalizeH="0" baseline="0" dirty="0">
+                <a:ln>
+                  <a:noFill/>
+                </a:ln>
+                <a:solidFill>
+                  <a:schemeClr val="tx1"/>
+                </a:solidFill>
+                <a:effectLst/>
+                <a:latin typeface="Arial" panose="020B0604020202020204" pitchFamily="34" charset="0"/>
+              </a:rPr>
+              <a:t>Adam (0.001)</a:t>
+            </a:r>
+            <a:endParaRPr kumimoji="0" lang="zh-HK" altLang="zh-HK" sz="1800" b="0" i="0" u="none" strike="noStrike" cap="none" normalizeH="0" baseline="0" dirty="0">
+              <a:ln>
+                <a:noFill/>
+              </a:ln>
+              <a:solidFill>
+                <a:schemeClr val="tx1"/>
+              </a:solidFill>
+              <a:effectLst/>
+              <a:latin typeface="Arial" panose="020B0604020202020204" pitchFamily="34" charset="0"/>
+            </a:endParaRPr>
+          </a:p>
+          <a:p>
+            <a:pPr marL="0" marR="0" lvl="0" indent="0" algn="l" defTabSz="914400" rtl="0" eaLnBrk="0" fontAlgn="base" latinLnBrk="0" hangingPunct="0">
+              <a:lnSpc>
+                <a:spcPct val="100000"/>
+              </a:lnSpc>
+              <a:spcBef>
+                <a:spcPct val="0"/>
+              </a:spcBef>
+              <a:spcAft>
+                <a:spcPct val="0"/>
+              </a:spcAft>
+              <a:buClrTx/>
+              <a:buSzTx/>
+              <a:buFontTx/>
+              <a:buChar char="•"/>
+              <a:tabLst/>
             </a:pPr>
-            <a:endParaRPr lang="en-US" sz="1900" dirty="0"/>
-          </a:p>
-          <a:p>
-            <a:pPr marL="0" indent="0">
-              <a:buNone/>
+            <a:r>
+              <a:rPr kumimoji="0" lang="zh-HK" altLang="zh-HK" sz="1800" b="0" i="0" u="none" strike="noStrike" cap="none" normalizeH="0" baseline="0" dirty="0">
+                <a:ln>
+                  <a:noFill/>
+                </a:ln>
+                <a:solidFill>
+                  <a:schemeClr val="tx1"/>
+                </a:solidFill>
+                <a:effectLst/>
+                <a:latin typeface="Arial" panose="020B0604020202020204" pitchFamily="34" charset="0"/>
+              </a:rPr>
+              <a:t>Loss: </a:t>
+            </a:r>
+            <a:r>
+              <a:rPr kumimoji="0" lang="zh-HK" altLang="zh-HK" sz="1800" b="1" i="0" u="none" strike="noStrike" cap="none" normalizeH="0" baseline="0" dirty="0">
+                <a:ln>
+                  <a:noFill/>
+                </a:ln>
+                <a:solidFill>
+                  <a:schemeClr val="tx1"/>
+                </a:solidFill>
+                <a:effectLst/>
+                <a:latin typeface="Arial" panose="020B0604020202020204" pitchFamily="34" charset="0"/>
+              </a:rPr>
+              <a:t>MSE</a:t>
+            </a:r>
+            <a:endParaRPr kumimoji="0" lang="zh-HK" altLang="zh-HK" sz="1800" b="0" i="0" u="none" strike="noStrike" cap="none" normalizeH="0" baseline="0" dirty="0">
+              <a:ln>
+                <a:noFill/>
+              </a:ln>
+              <a:solidFill>
+                <a:schemeClr val="tx1"/>
+              </a:solidFill>
+              <a:effectLst/>
+              <a:latin typeface="Arial" panose="020B0604020202020204" pitchFamily="34" charset="0"/>
+            </a:endParaRPr>
+          </a:p>
+          <a:p>
+            <a:pPr marL="0" marR="0" lvl="0" indent="0" algn="l" defTabSz="914400" rtl="0" eaLnBrk="0" fontAlgn="base" latinLnBrk="0" hangingPunct="0">
+              <a:lnSpc>
+                <a:spcPct val="100000"/>
+              </a:lnSpc>
+              <a:spcBef>
+                <a:spcPct val="0"/>
+              </a:spcBef>
+              <a:spcAft>
+                <a:spcPct val="0"/>
+              </a:spcAft>
+              <a:buClrTx/>
+              <a:buSzTx/>
+              <a:buFontTx/>
+              <a:buChar char="•"/>
+              <a:tabLst/>
             </a:pPr>
             <a:r>
-              <a:rPr lang="en-US" sz="1900" dirty="0"/>
-              <a:t>RNN achieved best overall performance.</a:t>
+              <a:rPr kumimoji="0" lang="zh-HK" altLang="zh-HK" sz="1800" b="0" i="0" u="none" strike="noStrike" cap="none" normalizeH="0" baseline="0" dirty="0">
+                <a:ln>
+                  <a:noFill/>
+                </a:ln>
+                <a:solidFill>
+                  <a:schemeClr val="tx1"/>
+                </a:solidFill>
+                <a:effectLst/>
+                <a:latin typeface="Arial" panose="020B0604020202020204" pitchFamily="34" charset="0"/>
+              </a:rPr>
+              <a:t>Metric: </a:t>
+            </a:r>
+            <a:r>
+              <a:rPr kumimoji="0" lang="zh-HK" altLang="zh-HK" sz="1800" b="1" i="0" u="none" strike="noStrike" cap="none" normalizeH="0" baseline="0" dirty="0">
+                <a:ln>
+                  <a:noFill/>
+                </a:ln>
+                <a:solidFill>
+                  <a:schemeClr val="tx1"/>
+                </a:solidFill>
+                <a:effectLst/>
+                <a:latin typeface="Arial" panose="020B0604020202020204" pitchFamily="34" charset="0"/>
+              </a:rPr>
+              <a:t>MAE</a:t>
+            </a:r>
+            <a:endParaRPr kumimoji="0" lang="zh-HK" altLang="zh-HK" sz="1800" b="0" i="0" u="none" strike="noStrike" cap="none" normalizeH="0" baseline="0" dirty="0">
+              <a:ln>
+                <a:noFill/>
+              </a:ln>
+              <a:solidFill>
+                <a:schemeClr val="tx1"/>
+              </a:solidFill>
+              <a:effectLst/>
+              <a:latin typeface="Arial" panose="020B0604020202020204" pitchFamily="34" charset="0"/>
+            </a:endParaRPr>
+          </a:p>
+          <a:p>
+            <a:pPr marL="0" marR="0" lvl="0" indent="0" algn="l" defTabSz="914400" rtl="0" eaLnBrk="0" fontAlgn="base" latinLnBrk="0" hangingPunct="0">
+              <a:lnSpc>
+                <a:spcPct val="100000"/>
+              </a:lnSpc>
+              <a:spcBef>
+                <a:spcPct val="0"/>
+              </a:spcBef>
+              <a:spcAft>
+                <a:spcPct val="0"/>
+              </a:spcAft>
+              <a:buClrTx/>
+              <a:buSzTx/>
+              <a:buFontTx/>
+              <a:buChar char="•"/>
+              <a:tabLst/>
+            </a:pPr>
+            <a:r>
+              <a:rPr kumimoji="0" lang="zh-HK" altLang="zh-HK" sz="1800" b="0" i="0" u="none" strike="noStrike" cap="none" normalizeH="0" baseline="0" dirty="0">
+                <a:ln>
+                  <a:noFill/>
+                </a:ln>
+                <a:solidFill>
+                  <a:schemeClr val="tx1"/>
+                </a:solidFill>
+                <a:effectLst/>
+                <a:latin typeface="Arial" panose="020B0604020202020204" pitchFamily="34" charset="0"/>
+              </a:rPr>
+              <a:t>Chronological split (no data leakage)</a:t>
             </a:r>
           </a:p>
         </p:txBody>
